--- a/Thesis/Figures/polished/FF_spectrum.pptx
+++ b/Thesis/Figures/polished/FF_spectrum.pptx
@@ -2,13 +2,13 @@
 <file path=ppt/presentation.xml><?xml version="1.0" encoding="utf-8"?>
 <p:presentation xmlns:a="http://schemas.openxmlformats.org/drawingml/2006/main" xmlns:r="http://schemas.openxmlformats.org/officeDocument/2006/relationships" xmlns:p="http://schemas.openxmlformats.org/presentationml/2006/main" saveSubsetFonts="1">
   <p:sldMasterIdLst>
-    <p:sldMasterId id="2147483696" r:id="rId1"/>
+    <p:sldMasterId id="2147483708" r:id="rId1"/>
   </p:sldMasterIdLst>
   <p:sldIdLst>
     <p:sldId id="256" r:id="rId2"/>
     <p:sldId id="257" r:id="rId3"/>
   </p:sldIdLst>
-  <p:sldSz cx="5040313" cy="3959225"/>
+  <p:sldSz cx="5040313" cy="5759450"/>
   <p:notesSz cx="6858000" cy="9144000"/>
   <p:defaultTextStyle>
     <a:defPPr>
@@ -105,6 +105,11 @@
       </a:defRPr>
     </a:lvl9pPr>
   </p:defaultTextStyle>
+  <p:extLst>
+    <p:ext uri="{EFAFB233-063F-42B5-8137-9DF3F51BA10A}">
+      <p15:sldGuideLst xmlns:p15="http://schemas.microsoft.com/office/powerpoint/2012/main"/>
+    </p:ext>
+  </p:extLst>
 </p:presentation>
 </file>
 
@@ -137,8 +142,8 @@
         </p:nvSpPr>
         <p:spPr>
           <a:xfrm>
-            <a:off x="378024" y="647957"/>
-            <a:ext cx="4284266" cy="1378397"/>
+            <a:off x="378024" y="942577"/>
+            <a:ext cx="4284266" cy="2005142"/>
           </a:xfrm>
         </p:spPr>
         <p:txBody>
@@ -169,8 +174,8 @@
         </p:nvSpPr>
         <p:spPr>
           <a:xfrm>
-            <a:off x="630039" y="2079510"/>
-            <a:ext cx="3780235" cy="955896"/>
+            <a:off x="630039" y="3025045"/>
+            <a:ext cx="3780235" cy="1390533"/>
           </a:xfrm>
         </p:spPr>
         <p:txBody>
@@ -239,7 +244,7 @@
           <a:p>
             <a:fld id="{7598244F-4813-4C18-87E1-CA24253B0BFD}" type="datetimeFigureOut">
               <a:rPr lang="en-AU" smtClean="0"/>
-              <a:t>2/10/2018</a:t>
+              <a:t>8/10/2018</a:t>
             </a:fld>
             <a:endParaRPr lang="en-AU"/>
           </a:p>
@@ -290,7 +295,7 @@
     </p:spTree>
     <p:extLst>
       <p:ext uri="{BB962C8B-B14F-4D97-AF65-F5344CB8AC3E}">
-        <p14:creationId xmlns:p14="http://schemas.microsoft.com/office/powerpoint/2010/main" val="1295314763"/>
+        <p14:creationId xmlns:p14="http://schemas.microsoft.com/office/powerpoint/2010/main" val="1651728549"/>
       </p:ext>
     </p:extLst>
   </p:cSld>
@@ -409,7 +414,7 @@
           <a:p>
             <a:fld id="{7598244F-4813-4C18-87E1-CA24253B0BFD}" type="datetimeFigureOut">
               <a:rPr lang="en-AU" smtClean="0"/>
-              <a:t>2/10/2018</a:t>
+              <a:t>8/10/2018</a:t>
             </a:fld>
             <a:endParaRPr lang="en-AU"/>
           </a:p>
@@ -460,7 +465,7 @@
     </p:spTree>
     <p:extLst>
       <p:ext uri="{BB962C8B-B14F-4D97-AF65-F5344CB8AC3E}">
-        <p14:creationId xmlns:p14="http://schemas.microsoft.com/office/powerpoint/2010/main" val="871672608"/>
+        <p14:creationId xmlns:p14="http://schemas.microsoft.com/office/powerpoint/2010/main" val="3374599483"/>
       </p:ext>
     </p:extLst>
   </p:cSld>
@@ -499,8 +504,8 @@
         </p:nvSpPr>
         <p:spPr>
           <a:xfrm>
-            <a:off x="3606975" y="210792"/>
-            <a:ext cx="1086817" cy="3355260"/>
+            <a:off x="3606975" y="306637"/>
+            <a:ext cx="1086817" cy="4880868"/>
           </a:xfrm>
         </p:spPr>
         <p:txBody>
@@ -527,8 +532,8 @@
         </p:nvSpPr>
         <p:spPr>
           <a:xfrm>
-            <a:off x="346522" y="210792"/>
-            <a:ext cx="3197449" cy="3355260"/>
+            <a:off x="346522" y="306637"/>
+            <a:ext cx="3197449" cy="4880868"/>
           </a:xfrm>
         </p:spPr>
         <p:txBody>
@@ -589,7 +594,7 @@
           <a:p>
             <a:fld id="{7598244F-4813-4C18-87E1-CA24253B0BFD}" type="datetimeFigureOut">
               <a:rPr lang="en-AU" smtClean="0"/>
-              <a:t>2/10/2018</a:t>
+              <a:t>8/10/2018</a:t>
             </a:fld>
             <a:endParaRPr lang="en-AU"/>
           </a:p>
@@ -640,7 +645,7 @@
     </p:spTree>
     <p:extLst>
       <p:ext uri="{BB962C8B-B14F-4D97-AF65-F5344CB8AC3E}">
-        <p14:creationId xmlns:p14="http://schemas.microsoft.com/office/powerpoint/2010/main" val="1555743242"/>
+        <p14:creationId xmlns:p14="http://schemas.microsoft.com/office/powerpoint/2010/main" val="2322871926"/>
       </p:ext>
     </p:extLst>
   </p:cSld>
@@ -759,7 +764,7 @@
           <a:p>
             <a:fld id="{7598244F-4813-4C18-87E1-CA24253B0BFD}" type="datetimeFigureOut">
               <a:rPr lang="en-AU" smtClean="0"/>
-              <a:t>2/10/2018</a:t>
+              <a:t>8/10/2018</a:t>
             </a:fld>
             <a:endParaRPr lang="en-AU"/>
           </a:p>
@@ -810,7 +815,7 @@
     </p:spTree>
     <p:extLst>
       <p:ext uri="{BB962C8B-B14F-4D97-AF65-F5344CB8AC3E}">
-        <p14:creationId xmlns:p14="http://schemas.microsoft.com/office/powerpoint/2010/main" val="288504463"/>
+        <p14:creationId xmlns:p14="http://schemas.microsoft.com/office/powerpoint/2010/main" val="1788385216"/>
       </p:ext>
     </p:extLst>
   </p:cSld>
@@ -849,8 +854,8 @@
         </p:nvSpPr>
         <p:spPr>
           <a:xfrm>
-            <a:off x="343897" y="987058"/>
-            <a:ext cx="4347270" cy="1646927"/>
+            <a:off x="343897" y="1435864"/>
+            <a:ext cx="4347270" cy="2395771"/>
           </a:xfrm>
         </p:spPr>
         <p:txBody>
@@ -881,8 +886,8 @@
         </p:nvSpPr>
         <p:spPr>
           <a:xfrm>
-            <a:off x="343897" y="2649566"/>
-            <a:ext cx="4347270" cy="866080"/>
+            <a:off x="343897" y="3854300"/>
+            <a:ext cx="4347270" cy="1259879"/>
           </a:xfrm>
         </p:spPr>
         <p:txBody>
@@ -1003,7 +1008,7 @@
           <a:p>
             <a:fld id="{7598244F-4813-4C18-87E1-CA24253B0BFD}" type="datetimeFigureOut">
               <a:rPr lang="en-AU" smtClean="0"/>
-              <a:t>2/10/2018</a:t>
+              <a:t>8/10/2018</a:t>
             </a:fld>
             <a:endParaRPr lang="en-AU"/>
           </a:p>
@@ -1054,7 +1059,7 @@
     </p:spTree>
     <p:extLst>
       <p:ext uri="{BB962C8B-B14F-4D97-AF65-F5344CB8AC3E}">
-        <p14:creationId xmlns:p14="http://schemas.microsoft.com/office/powerpoint/2010/main" val="3601550891"/>
+        <p14:creationId xmlns:p14="http://schemas.microsoft.com/office/powerpoint/2010/main" val="2880840606"/>
       </p:ext>
     </p:extLst>
   </p:cSld>
@@ -1116,8 +1121,8 @@
         </p:nvSpPr>
         <p:spPr>
           <a:xfrm>
-            <a:off x="346522" y="1053960"/>
-            <a:ext cx="2142133" cy="2512092"/>
+            <a:off x="346522" y="1533187"/>
+            <a:ext cx="2142133" cy="3654318"/>
           </a:xfrm>
         </p:spPr>
         <p:txBody>
@@ -1173,8 +1178,8 @@
         </p:nvSpPr>
         <p:spPr>
           <a:xfrm>
-            <a:off x="2551658" y="1053960"/>
-            <a:ext cx="2142133" cy="2512092"/>
+            <a:off x="2551658" y="1533187"/>
+            <a:ext cx="2142133" cy="3654318"/>
           </a:xfrm>
         </p:spPr>
         <p:txBody>
@@ -1235,7 +1240,7 @@
           <a:p>
             <a:fld id="{7598244F-4813-4C18-87E1-CA24253B0BFD}" type="datetimeFigureOut">
               <a:rPr lang="en-AU" smtClean="0"/>
-              <a:t>2/10/2018</a:t>
+              <a:t>8/10/2018</a:t>
             </a:fld>
             <a:endParaRPr lang="en-AU"/>
           </a:p>
@@ -1286,7 +1291,7 @@
     </p:spTree>
     <p:extLst>
       <p:ext uri="{BB962C8B-B14F-4D97-AF65-F5344CB8AC3E}">
-        <p14:creationId xmlns:p14="http://schemas.microsoft.com/office/powerpoint/2010/main" val="230671735"/>
+        <p14:creationId xmlns:p14="http://schemas.microsoft.com/office/powerpoint/2010/main" val="1608021664"/>
       </p:ext>
     </p:extLst>
   </p:cSld>
@@ -1325,8 +1330,8 @@
         </p:nvSpPr>
         <p:spPr>
           <a:xfrm>
-            <a:off x="347178" y="210793"/>
-            <a:ext cx="4347270" cy="765267"/>
+            <a:off x="347178" y="306639"/>
+            <a:ext cx="4347270" cy="1113227"/>
           </a:xfrm>
         </p:spPr>
         <p:txBody>
@@ -1353,8 +1358,8 @@
         </p:nvSpPr>
         <p:spPr>
           <a:xfrm>
-            <a:off x="347179" y="970560"/>
-            <a:ext cx="2132288" cy="475657"/>
+            <a:off x="347179" y="1411865"/>
+            <a:ext cx="2132288" cy="691934"/>
           </a:xfrm>
         </p:spPr>
         <p:txBody>
@@ -1418,8 +1423,8 @@
         </p:nvSpPr>
         <p:spPr>
           <a:xfrm>
-            <a:off x="347179" y="1446217"/>
-            <a:ext cx="2132288" cy="2127167"/>
+            <a:off x="347179" y="2103799"/>
+            <a:ext cx="2132288" cy="3094372"/>
           </a:xfrm>
         </p:spPr>
         <p:txBody>
@@ -1475,8 +1480,8 @@
         </p:nvSpPr>
         <p:spPr>
           <a:xfrm>
-            <a:off x="2551658" y="970560"/>
-            <a:ext cx="2142790" cy="475657"/>
+            <a:off x="2551658" y="1411865"/>
+            <a:ext cx="2142790" cy="691934"/>
           </a:xfrm>
         </p:spPr>
         <p:txBody>
@@ -1540,8 +1545,8 @@
         </p:nvSpPr>
         <p:spPr>
           <a:xfrm>
-            <a:off x="2551658" y="1446217"/>
-            <a:ext cx="2142790" cy="2127167"/>
+            <a:off x="2551658" y="2103799"/>
+            <a:ext cx="2142790" cy="3094372"/>
           </a:xfrm>
         </p:spPr>
         <p:txBody>
@@ -1602,7 +1607,7 @@
           <a:p>
             <a:fld id="{7598244F-4813-4C18-87E1-CA24253B0BFD}" type="datetimeFigureOut">
               <a:rPr lang="en-AU" smtClean="0"/>
-              <a:t>2/10/2018</a:t>
+              <a:t>8/10/2018</a:t>
             </a:fld>
             <a:endParaRPr lang="en-AU"/>
           </a:p>
@@ -1653,7 +1658,7 @@
     </p:spTree>
     <p:extLst>
       <p:ext uri="{BB962C8B-B14F-4D97-AF65-F5344CB8AC3E}">
-        <p14:creationId xmlns:p14="http://schemas.microsoft.com/office/powerpoint/2010/main" val="4122892281"/>
+        <p14:creationId xmlns:p14="http://schemas.microsoft.com/office/powerpoint/2010/main" val="2233813845"/>
       </p:ext>
     </p:extLst>
   </p:cSld>
@@ -1720,7 +1725,7 @@
           <a:p>
             <a:fld id="{7598244F-4813-4C18-87E1-CA24253B0BFD}" type="datetimeFigureOut">
               <a:rPr lang="en-AU" smtClean="0"/>
-              <a:t>2/10/2018</a:t>
+              <a:t>8/10/2018</a:t>
             </a:fld>
             <a:endParaRPr lang="en-AU"/>
           </a:p>
@@ -1771,7 +1776,7 @@
     </p:spTree>
     <p:extLst>
       <p:ext uri="{BB962C8B-B14F-4D97-AF65-F5344CB8AC3E}">
-        <p14:creationId xmlns:p14="http://schemas.microsoft.com/office/powerpoint/2010/main" val="999910261"/>
+        <p14:creationId xmlns:p14="http://schemas.microsoft.com/office/powerpoint/2010/main" val="4232180626"/>
       </p:ext>
     </p:extLst>
   </p:cSld>
@@ -1815,7 +1820,7 @@
           <a:p>
             <a:fld id="{7598244F-4813-4C18-87E1-CA24253B0BFD}" type="datetimeFigureOut">
               <a:rPr lang="en-AU" smtClean="0"/>
-              <a:t>2/10/2018</a:t>
+              <a:t>8/10/2018</a:t>
             </a:fld>
             <a:endParaRPr lang="en-AU"/>
           </a:p>
@@ -1866,7 +1871,7 @@
     </p:spTree>
     <p:extLst>
       <p:ext uri="{BB962C8B-B14F-4D97-AF65-F5344CB8AC3E}">
-        <p14:creationId xmlns:p14="http://schemas.microsoft.com/office/powerpoint/2010/main" val="776939297"/>
+        <p14:creationId xmlns:p14="http://schemas.microsoft.com/office/powerpoint/2010/main" val="3184638466"/>
       </p:ext>
     </p:extLst>
   </p:cSld>
@@ -1905,8 +1910,8 @@
         </p:nvSpPr>
         <p:spPr>
           <a:xfrm>
-            <a:off x="347178" y="263948"/>
-            <a:ext cx="1625632" cy="923819"/>
+            <a:off x="347178" y="383963"/>
+            <a:ext cx="1625632" cy="1343872"/>
           </a:xfrm>
         </p:spPr>
         <p:txBody>
@@ -1937,8 +1942,8 @@
         </p:nvSpPr>
         <p:spPr>
           <a:xfrm>
-            <a:off x="2142790" y="570056"/>
-            <a:ext cx="2551658" cy="2813616"/>
+            <a:off x="2142790" y="829256"/>
+            <a:ext cx="2551658" cy="4092942"/>
           </a:xfrm>
         </p:spPr>
         <p:txBody>
@@ -2022,8 +2027,8 @@
         </p:nvSpPr>
         <p:spPr>
           <a:xfrm>
-            <a:off x="347178" y="1187768"/>
-            <a:ext cx="1625632" cy="2200486"/>
+            <a:off x="347178" y="1727835"/>
+            <a:ext cx="1625632" cy="3201028"/>
           </a:xfrm>
         </p:spPr>
         <p:txBody>
@@ -2092,7 +2097,7 @@
           <a:p>
             <a:fld id="{7598244F-4813-4C18-87E1-CA24253B0BFD}" type="datetimeFigureOut">
               <a:rPr lang="en-AU" smtClean="0"/>
-              <a:t>2/10/2018</a:t>
+              <a:t>8/10/2018</a:t>
             </a:fld>
             <a:endParaRPr lang="en-AU"/>
           </a:p>
@@ -2143,7 +2148,7 @@
     </p:spTree>
     <p:extLst>
       <p:ext uri="{BB962C8B-B14F-4D97-AF65-F5344CB8AC3E}">
-        <p14:creationId xmlns:p14="http://schemas.microsoft.com/office/powerpoint/2010/main" val="14246839"/>
+        <p14:creationId xmlns:p14="http://schemas.microsoft.com/office/powerpoint/2010/main" val="1578680532"/>
       </p:ext>
     </p:extLst>
   </p:cSld>
@@ -2182,8 +2187,8 @@
         </p:nvSpPr>
         <p:spPr>
           <a:xfrm>
-            <a:off x="347178" y="263948"/>
-            <a:ext cx="1625632" cy="923819"/>
+            <a:off x="347178" y="383963"/>
+            <a:ext cx="1625632" cy="1343872"/>
           </a:xfrm>
         </p:spPr>
         <p:txBody>
@@ -2214,8 +2219,8 @@
         </p:nvSpPr>
         <p:spPr>
           <a:xfrm>
-            <a:off x="2142790" y="570056"/>
-            <a:ext cx="2551658" cy="2813616"/>
+            <a:off x="2142790" y="829256"/>
+            <a:ext cx="2551658" cy="4092942"/>
           </a:xfrm>
         </p:spPr>
         <p:txBody>
@@ -2279,8 +2284,8 @@
         </p:nvSpPr>
         <p:spPr>
           <a:xfrm>
-            <a:off x="347178" y="1187768"/>
-            <a:ext cx="1625632" cy="2200486"/>
+            <a:off x="347178" y="1727835"/>
+            <a:ext cx="1625632" cy="3201028"/>
           </a:xfrm>
         </p:spPr>
         <p:txBody>
@@ -2349,7 +2354,7 @@
           <a:p>
             <a:fld id="{7598244F-4813-4C18-87E1-CA24253B0BFD}" type="datetimeFigureOut">
               <a:rPr lang="en-AU" smtClean="0"/>
-              <a:t>2/10/2018</a:t>
+              <a:t>8/10/2018</a:t>
             </a:fld>
             <a:endParaRPr lang="en-AU"/>
           </a:p>
@@ -2400,7 +2405,7 @@
     </p:spTree>
     <p:extLst>
       <p:ext uri="{BB962C8B-B14F-4D97-AF65-F5344CB8AC3E}">
-        <p14:creationId xmlns:p14="http://schemas.microsoft.com/office/powerpoint/2010/main" val="1912011414"/>
+        <p14:creationId xmlns:p14="http://schemas.microsoft.com/office/powerpoint/2010/main" val="3744942640"/>
       </p:ext>
     </p:extLst>
   </p:cSld>
@@ -2444,8 +2449,8 @@
         </p:nvSpPr>
         <p:spPr>
           <a:xfrm>
-            <a:off x="346522" y="210793"/>
-            <a:ext cx="4347270" cy="765267"/>
+            <a:off x="346522" y="306639"/>
+            <a:ext cx="4347270" cy="1113227"/>
           </a:xfrm>
           <a:prstGeom prst="rect">
             <a:avLst/>
@@ -2477,8 +2482,8 @@
         </p:nvSpPr>
         <p:spPr>
           <a:xfrm>
-            <a:off x="346522" y="1053960"/>
-            <a:ext cx="4347270" cy="2512092"/>
+            <a:off x="346522" y="1533187"/>
+            <a:ext cx="4347270" cy="3654318"/>
           </a:xfrm>
           <a:prstGeom prst="rect">
             <a:avLst/>
@@ -2539,8 +2544,8 @@
         </p:nvSpPr>
         <p:spPr>
           <a:xfrm>
-            <a:off x="346522" y="3669616"/>
-            <a:ext cx="1134070" cy="210792"/>
+            <a:off x="346522" y="5338158"/>
+            <a:ext cx="1134070" cy="306637"/>
           </a:xfrm>
           <a:prstGeom prst="rect">
             <a:avLst/>
@@ -2562,7 +2567,7 @@
           <a:p>
             <a:fld id="{7598244F-4813-4C18-87E1-CA24253B0BFD}" type="datetimeFigureOut">
               <a:rPr lang="en-AU" smtClean="0"/>
-              <a:t>2/10/2018</a:t>
+              <a:t>8/10/2018</a:t>
             </a:fld>
             <a:endParaRPr lang="en-AU"/>
           </a:p>
@@ -2580,8 +2585,8 @@
         </p:nvSpPr>
         <p:spPr>
           <a:xfrm>
-            <a:off x="1669604" y="3669616"/>
-            <a:ext cx="1701106" cy="210792"/>
+            <a:off x="1669604" y="5338158"/>
+            <a:ext cx="1701106" cy="306637"/>
           </a:xfrm>
           <a:prstGeom prst="rect">
             <a:avLst/>
@@ -2617,8 +2622,8 @@
         </p:nvSpPr>
         <p:spPr>
           <a:xfrm>
-            <a:off x="3559721" y="3669616"/>
-            <a:ext cx="1134070" cy="210792"/>
+            <a:off x="3559721" y="5338158"/>
+            <a:ext cx="1134070" cy="306637"/>
           </a:xfrm>
           <a:prstGeom prst="rect">
             <a:avLst/>
@@ -2649,23 +2654,23 @@
     </p:spTree>
     <p:extLst>
       <p:ext uri="{BB962C8B-B14F-4D97-AF65-F5344CB8AC3E}">
-        <p14:creationId xmlns:p14="http://schemas.microsoft.com/office/powerpoint/2010/main" val="948253533"/>
+        <p14:creationId xmlns:p14="http://schemas.microsoft.com/office/powerpoint/2010/main" val="3941174185"/>
       </p:ext>
     </p:extLst>
   </p:cSld>
   <p:clrMap bg1="lt1" tx1="dk1" bg2="lt2" tx2="dk2" accent1="accent1" accent2="accent2" accent3="accent3" accent4="accent4" accent5="accent5" accent6="accent6" hlink="hlink" folHlink="folHlink"/>
   <p:sldLayoutIdLst>
-    <p:sldLayoutId id="2147483697" r:id="rId1"/>
-    <p:sldLayoutId id="2147483698" r:id="rId2"/>
-    <p:sldLayoutId id="2147483699" r:id="rId3"/>
-    <p:sldLayoutId id="2147483700" r:id="rId4"/>
-    <p:sldLayoutId id="2147483701" r:id="rId5"/>
-    <p:sldLayoutId id="2147483702" r:id="rId6"/>
-    <p:sldLayoutId id="2147483703" r:id="rId7"/>
-    <p:sldLayoutId id="2147483704" r:id="rId8"/>
-    <p:sldLayoutId id="2147483705" r:id="rId9"/>
-    <p:sldLayoutId id="2147483706" r:id="rId10"/>
-    <p:sldLayoutId id="2147483707" r:id="rId11"/>
+    <p:sldLayoutId id="2147483709" r:id="rId1"/>
+    <p:sldLayoutId id="2147483710" r:id="rId2"/>
+    <p:sldLayoutId id="2147483711" r:id="rId3"/>
+    <p:sldLayoutId id="2147483712" r:id="rId4"/>
+    <p:sldLayoutId id="2147483713" r:id="rId5"/>
+    <p:sldLayoutId id="2147483714" r:id="rId6"/>
+    <p:sldLayoutId id="2147483715" r:id="rId7"/>
+    <p:sldLayoutId id="2147483716" r:id="rId8"/>
+    <p:sldLayoutId id="2147483717" r:id="rId9"/>
+    <p:sldLayoutId id="2147483718" r:id="rId10"/>
+    <p:sldLayoutId id="2147483719" r:id="rId11"/>
   </p:sldLayoutIdLst>
   <p:txStyles>
     <p:titleStyle>
@@ -2977,7 +2982,7 @@
         </p:nvGrpSpPr>
         <p:grpSpPr bwMode="auto">
           <a:xfrm>
-            <a:off x="28290" y="-97356"/>
+            <a:off x="89587" y="1765702"/>
             <a:ext cx="5331248" cy="3993748"/>
             <a:chOff x="2831" y="829"/>
             <a:chExt cx="3133" cy="2347"/>
@@ -3873,11 +3878,7 @@
               <a:p>
                 <a:pPr defTabSz="914400"/>
                 <a:r>
-                  <a:rPr lang="en-US" altLang="en-US" sz="1700">
-                    <a:solidFill>
-                      <a:srgbClr val="262626"/>
-                    </a:solidFill>
-                  </a:rPr>
+                  <a:rPr lang="en-US" altLang="en-US" sz="1700"/>
                   <a:t>43.3</a:t>
                 </a:r>
                 <a:endParaRPr lang="en-US" altLang="en-US" sz="1800"/>
@@ -4062,11 +4063,7 @@
               <a:p>
                 <a:pPr defTabSz="914400"/>
                 <a:r>
-                  <a:rPr lang="en-US" altLang="en-US" sz="1700">
-                    <a:solidFill>
-                      <a:srgbClr val="262626"/>
-                    </a:solidFill>
-                  </a:rPr>
+                  <a:rPr lang="en-US" altLang="en-US" sz="1700"/>
                   <a:t>43.32</a:t>
                 </a:r>
                 <a:endParaRPr lang="en-US" altLang="en-US" sz="1800"/>
@@ -4251,11 +4248,7 @@
               <a:p>
                 <a:pPr defTabSz="914400"/>
                 <a:r>
-                  <a:rPr lang="en-US" altLang="en-US" sz="1700">
-                    <a:solidFill>
-                      <a:srgbClr val="262626"/>
-                    </a:solidFill>
-                  </a:rPr>
+                  <a:rPr lang="en-US" altLang="en-US" sz="1700"/>
                   <a:t>43.34</a:t>
                 </a:r>
                 <a:endParaRPr lang="en-US" altLang="en-US" sz="1800"/>
@@ -4440,11 +4433,7 @@
               <a:p>
                 <a:pPr defTabSz="914400"/>
                 <a:r>
-                  <a:rPr lang="en-US" altLang="en-US" sz="1700">
-                    <a:solidFill>
-                      <a:srgbClr val="262626"/>
-                    </a:solidFill>
-                  </a:rPr>
+                  <a:rPr lang="en-US" altLang="en-US" sz="1700"/>
                   <a:t>43.36</a:t>
                 </a:r>
                 <a:endParaRPr lang="en-US" altLang="en-US" sz="1800"/>
@@ -4629,11 +4618,7 @@
               <a:p>
                 <a:pPr defTabSz="914400"/>
                 <a:r>
-                  <a:rPr lang="en-US" altLang="en-US" sz="1700">
-                    <a:solidFill>
-                      <a:srgbClr val="262626"/>
-                    </a:solidFill>
-                  </a:rPr>
+                  <a:rPr lang="en-US" altLang="en-US" sz="1700"/>
                   <a:t>43.38</a:t>
                 </a:r>
                 <a:endParaRPr lang="en-US" altLang="en-US" sz="1800"/>
@@ -4818,11 +4803,7 @@
               <a:p>
                 <a:pPr defTabSz="914400"/>
                 <a:r>
-                  <a:rPr lang="en-US" altLang="en-US" sz="1700">
-                    <a:solidFill>
-                      <a:srgbClr val="262626"/>
-                    </a:solidFill>
-                  </a:rPr>
+                  <a:rPr lang="en-US" altLang="en-US" sz="1700"/>
                   <a:t>43.4</a:t>
                 </a:r>
                 <a:endParaRPr lang="en-US" altLang="en-US" sz="1800"/>
@@ -5007,14 +4988,9 @@
               <a:p>
                 <a:pPr defTabSz="914400"/>
                 <a:r>
-                  <a:rPr lang="en-US" altLang="en-US" sz="1800">
-                    <a:solidFill>
-                      <a:srgbClr val="262626"/>
-                    </a:solidFill>
-                  </a:rPr>
+                  <a:rPr lang="en-US" altLang="en-US" sz="1800"/>
                   <a:t>f (GHz)</a:t>
                 </a:r>
-                <a:endParaRPr lang="en-US" altLang="en-US" sz="1800"/>
               </a:p>
             </p:txBody>
           </p:sp>
@@ -5840,11 +5816,7 @@
               <a:p>
                 <a:pPr defTabSz="914400"/>
                 <a:r>
-                  <a:rPr lang="en-US" altLang="en-US" sz="1700">
-                    <a:solidFill>
-                      <a:srgbClr val="262626"/>
-                    </a:solidFill>
-                  </a:rPr>
+                  <a:rPr lang="en-US" altLang="en-US" sz="1700"/>
                   <a:t>0</a:t>
                 </a:r>
                 <a:endParaRPr lang="en-US" altLang="en-US" sz="1800"/>
@@ -6029,11 +6001,7 @@
               <a:p>
                 <a:pPr defTabSz="914400"/>
                 <a:r>
-                  <a:rPr lang="en-US" altLang="en-US" sz="1700">
-                    <a:solidFill>
-                      <a:srgbClr val="262626"/>
-                    </a:solidFill>
-                  </a:rPr>
+                  <a:rPr lang="en-US" altLang="en-US" sz="1700"/>
                   <a:t>0.2</a:t>
                 </a:r>
                 <a:endParaRPr lang="en-US" altLang="en-US" sz="1800"/>
@@ -6218,11 +6186,7 @@
               <a:p>
                 <a:pPr defTabSz="914400"/>
                 <a:r>
-                  <a:rPr lang="en-US" altLang="en-US" sz="1700">
-                    <a:solidFill>
-                      <a:srgbClr val="262626"/>
-                    </a:solidFill>
-                  </a:rPr>
+                  <a:rPr lang="en-US" altLang="en-US" sz="1700"/>
                   <a:t>0.4</a:t>
                 </a:r>
                 <a:endParaRPr lang="en-US" altLang="en-US" sz="1800"/>
@@ -6407,11 +6371,7 @@
               <a:p>
                 <a:pPr defTabSz="914400"/>
                 <a:r>
-                  <a:rPr lang="en-US" altLang="en-US" sz="1700" dirty="0">
-                    <a:solidFill>
-                      <a:srgbClr val="262626"/>
-                    </a:solidFill>
-                  </a:rPr>
+                  <a:rPr lang="en-US" altLang="en-US" sz="1700" dirty="0"/>
                   <a:t>0.6</a:t>
                 </a:r>
                 <a:endParaRPr lang="en-US" altLang="en-US" sz="1800" dirty="0"/>
@@ -6596,11 +6556,7 @@
               <a:p>
                 <a:pPr defTabSz="914400"/>
                 <a:r>
-                  <a:rPr lang="en-US" altLang="en-US" sz="1700" dirty="0">
-                    <a:solidFill>
-                      <a:srgbClr val="262626"/>
-                    </a:solidFill>
-                  </a:rPr>
+                  <a:rPr lang="en-US" altLang="en-US" sz="1700" dirty="0"/>
                   <a:t>0.8</a:t>
                 </a:r>
                 <a:endParaRPr lang="en-US" altLang="en-US" sz="1800" dirty="0"/>
@@ -6785,11 +6741,7 @@
               <a:p>
                 <a:pPr defTabSz="914400"/>
                 <a:r>
-                  <a:rPr lang="en-US" altLang="en-US" sz="1700">
-                    <a:solidFill>
-                      <a:srgbClr val="262626"/>
-                    </a:solidFill>
-                  </a:rPr>
+                  <a:rPr lang="en-US" altLang="en-US" sz="1700"/>
                   <a:t>1</a:t>
                 </a:r>
                 <a:endParaRPr lang="en-US" altLang="en-US" sz="1800"/>
@@ -6974,14 +6926,9 @@
               <a:p>
                 <a:pPr defTabSz="914400"/>
                 <a:r>
-                  <a:rPr lang="en-US" altLang="en-US" sz="1800" dirty="0">
-                    <a:solidFill>
-                      <a:srgbClr val="262626"/>
-                    </a:solidFill>
-                  </a:rPr>
+                  <a:rPr lang="en-US" altLang="en-US" sz="1800" dirty="0"/>
                   <a:t>s</a:t>
                 </a:r>
-                <a:endParaRPr lang="en-US" altLang="en-US" sz="1800" dirty="0"/>
               </a:p>
             </p:txBody>
           </p:sp>
@@ -7163,14 +7110,9 @@
               <a:p>
                 <a:pPr defTabSz="914400"/>
                 <a:r>
-                  <a:rPr lang="en-US" altLang="en-US" sz="1800" dirty="0">
-                    <a:solidFill>
-                      <a:srgbClr val="262626"/>
-                    </a:solidFill>
-                  </a:rPr>
+                  <a:rPr lang="en-US" altLang="en-US" sz="1800" dirty="0"/>
                   <a:t>p</a:t>
                 </a:r>
-                <a:endParaRPr lang="en-US" altLang="en-US" sz="1800" dirty="0"/>
               </a:p>
             </p:txBody>
           </p:sp>
@@ -7352,14 +7294,9 @@
               <a:p>
                 <a:pPr defTabSz="914400"/>
                 <a:r>
-                  <a:rPr lang="en-US" altLang="en-US" sz="1800">
-                    <a:solidFill>
-                      <a:srgbClr val="262626"/>
-                    </a:solidFill>
-                  </a:rPr>
+                  <a:rPr lang="en-US" altLang="en-US" sz="1800"/>
                   <a:t>i</a:t>
                 </a:r>
-                <a:endParaRPr lang="en-US" altLang="en-US" sz="1800"/>
               </a:p>
             </p:txBody>
           </p:sp>
@@ -7541,14 +7478,9 @@
               <a:p>
                 <a:pPr defTabSz="914400"/>
                 <a:r>
-                  <a:rPr lang="en-US" altLang="en-US" sz="1800">
-                    <a:solidFill>
-                      <a:srgbClr val="262626"/>
-                    </a:solidFill>
-                  </a:rPr>
+                  <a:rPr lang="en-US" altLang="en-US" sz="1800"/>
                   <a:t>n</a:t>
                 </a:r>
-                <a:endParaRPr lang="en-US" altLang="en-US" sz="1800"/>
               </a:p>
             </p:txBody>
           </p:sp>
@@ -7730,14 +7662,9 @@
               <a:p>
                 <a:pPr defTabSz="914400"/>
                 <a:r>
-                  <a:rPr lang="en-US" altLang="en-US" sz="1800" dirty="0">
-                    <a:solidFill>
-                      <a:srgbClr val="262626"/>
-                    </a:solidFill>
-                  </a:rPr>
+                  <a:rPr lang="en-US" altLang="en-US" sz="1800" dirty="0"/>
                   <a:t>-</a:t>
                 </a:r>
-                <a:endParaRPr lang="en-US" altLang="en-US" sz="1800" dirty="0"/>
               </a:p>
             </p:txBody>
           </p:sp>
@@ -7919,14 +7846,9 @@
               <a:p>
                 <a:pPr defTabSz="914400"/>
                 <a:r>
-                  <a:rPr lang="en-US" altLang="en-US" sz="1800" dirty="0">
-                    <a:solidFill>
-                      <a:srgbClr val="262626"/>
-                    </a:solidFill>
-                  </a:rPr>
+                  <a:rPr lang="en-US" altLang="en-US" sz="1800" dirty="0"/>
                   <a:t>u</a:t>
                 </a:r>
-                <a:endParaRPr lang="en-US" altLang="en-US" sz="1800" dirty="0"/>
               </a:p>
             </p:txBody>
           </p:sp>
@@ -8108,14 +8030,9 @@
               <a:p>
                 <a:pPr defTabSz="914400"/>
                 <a:r>
-                  <a:rPr lang="en-US" altLang="en-US" sz="1800">
-                    <a:solidFill>
-                      <a:srgbClr val="262626"/>
-                    </a:solidFill>
-                  </a:rPr>
+                  <a:rPr lang="en-US" altLang="en-US" sz="1800"/>
                   <a:t>p</a:t>
                 </a:r>
-                <a:endParaRPr lang="en-US" altLang="en-US" sz="1800"/>
               </a:p>
             </p:txBody>
           </p:sp>
@@ -8297,14 +8214,9 @@
               <a:p>
                 <a:pPr defTabSz="914400"/>
                 <a:r>
-                  <a:rPr lang="en-US" altLang="en-US" sz="1800">
-                    <a:solidFill>
-                      <a:srgbClr val="262626"/>
-                    </a:solidFill>
-                  </a:rPr>
+                  <a:rPr lang="en-US" altLang="en-US" sz="1800"/>
                   <a:t> </a:t>
                 </a:r>
-                <a:endParaRPr lang="en-US" altLang="en-US" sz="1800"/>
               </a:p>
             </p:txBody>
           </p:sp>
@@ -8486,14 +8398,9 @@
               <a:p>
                 <a:pPr defTabSz="914400"/>
                 <a:r>
-                  <a:rPr lang="en-US" altLang="en-US" sz="1800">
-                    <a:solidFill>
-                      <a:srgbClr val="262626"/>
-                    </a:solidFill>
-                  </a:rPr>
+                  <a:rPr lang="en-US" altLang="en-US" sz="1800"/>
                   <a:t>p</a:t>
                 </a:r>
-                <a:endParaRPr lang="en-US" altLang="en-US" sz="1800"/>
               </a:p>
             </p:txBody>
           </p:sp>
@@ -8675,14 +8582,9 @@
               <a:p>
                 <a:pPr defTabSz="914400"/>
                 <a:r>
-                  <a:rPr lang="en-US" altLang="en-US" sz="1800" dirty="0">
-                    <a:solidFill>
-                      <a:srgbClr val="262626"/>
-                    </a:solidFill>
-                  </a:rPr>
+                  <a:rPr lang="en-US" altLang="en-US" sz="1800" dirty="0"/>
                   <a:t>r</a:t>
                 </a:r>
-                <a:endParaRPr lang="en-US" altLang="en-US" sz="1800" dirty="0"/>
               </a:p>
             </p:txBody>
           </p:sp>
@@ -8864,14 +8766,9 @@
               <a:p>
                 <a:pPr defTabSz="914400"/>
                 <a:r>
-                  <a:rPr lang="en-US" altLang="en-US" sz="1800">
-                    <a:solidFill>
-                      <a:srgbClr val="262626"/>
-                    </a:solidFill>
-                  </a:rPr>
+                  <a:rPr lang="en-US" altLang="en-US" sz="1800" dirty="0"/>
                   <a:t>o</a:t>
                 </a:r>
-                <a:endParaRPr lang="en-US" altLang="en-US" sz="1800"/>
               </a:p>
             </p:txBody>
           </p:sp>
@@ -9053,14 +8950,9 @@
               <a:p>
                 <a:pPr defTabSz="914400"/>
                 <a:r>
-                  <a:rPr lang="en-US" altLang="en-US" sz="1800">
-                    <a:solidFill>
-                      <a:srgbClr val="262626"/>
-                    </a:solidFill>
-                  </a:rPr>
+                  <a:rPr lang="en-US" altLang="en-US" sz="1800"/>
                   <a:t>p</a:t>
                 </a:r>
-                <a:endParaRPr lang="en-US" altLang="en-US" sz="1800"/>
               </a:p>
             </p:txBody>
           </p:sp>
@@ -9242,14 +9134,9 @@
               <a:p>
                 <a:pPr defTabSz="914400"/>
                 <a:r>
-                  <a:rPr lang="en-US" altLang="en-US" sz="1800">
-                    <a:solidFill>
-                      <a:srgbClr val="262626"/>
-                    </a:solidFill>
-                  </a:rPr>
+                  <a:rPr lang="en-US" altLang="en-US" sz="1800"/>
                   <a:t>o</a:t>
                 </a:r>
-                <a:endParaRPr lang="en-US" altLang="en-US" sz="1800"/>
               </a:p>
             </p:txBody>
           </p:sp>
@@ -9431,14 +9318,9 @@
               <a:p>
                 <a:pPr defTabSz="914400"/>
                 <a:r>
-                  <a:rPr lang="en-US" altLang="en-US" sz="1800" dirty="0">
-                    <a:solidFill>
-                      <a:srgbClr val="262626"/>
-                    </a:solidFill>
-                  </a:rPr>
+                  <a:rPr lang="en-US" altLang="en-US" sz="1800" dirty="0"/>
                   <a:t>r</a:t>
                 </a:r>
-                <a:endParaRPr lang="en-US" altLang="en-US" sz="1800" dirty="0"/>
               </a:p>
             </p:txBody>
           </p:sp>
@@ -9620,14 +9502,9 @@
               <a:p>
                 <a:pPr defTabSz="914400"/>
                 <a:r>
-                  <a:rPr lang="en-US" altLang="en-US" sz="1800">
-                    <a:solidFill>
-                      <a:srgbClr val="262626"/>
-                    </a:solidFill>
-                  </a:rPr>
+                  <a:rPr lang="en-US" altLang="en-US" sz="1800"/>
                   <a:t>t</a:t>
                 </a:r>
-                <a:endParaRPr lang="en-US" altLang="en-US" sz="1800"/>
               </a:p>
             </p:txBody>
           </p:sp>
@@ -9809,14 +9686,9 @@
               <a:p>
                 <a:pPr defTabSz="914400"/>
                 <a:r>
-                  <a:rPr lang="en-US" altLang="en-US" sz="1800">
-                    <a:solidFill>
-                      <a:srgbClr val="262626"/>
-                    </a:solidFill>
-                  </a:rPr>
+                  <a:rPr lang="en-US" altLang="en-US" sz="1800"/>
                   <a:t>i</a:t>
                 </a:r>
-                <a:endParaRPr lang="en-US" altLang="en-US" sz="1800"/>
               </a:p>
             </p:txBody>
           </p:sp>
@@ -9998,14 +9870,9 @@
               <a:p>
                 <a:pPr defTabSz="914400"/>
                 <a:r>
-                  <a:rPr lang="en-US" altLang="en-US" sz="1800">
-                    <a:solidFill>
-                      <a:srgbClr val="262626"/>
-                    </a:solidFill>
-                  </a:rPr>
+                  <a:rPr lang="en-US" altLang="en-US" sz="1800"/>
                   <a:t>o</a:t>
                 </a:r>
-                <a:endParaRPr lang="en-US" altLang="en-US" sz="1800"/>
               </a:p>
             </p:txBody>
           </p:sp>
@@ -10187,14 +10054,9 @@
               <a:p>
                 <a:pPr defTabSz="914400"/>
                 <a:r>
-                  <a:rPr lang="en-US" altLang="en-US" sz="1800">
-                    <a:solidFill>
-                      <a:srgbClr val="262626"/>
-                    </a:solidFill>
-                  </a:rPr>
+                  <a:rPr lang="en-US" altLang="en-US" sz="1800"/>
                   <a:t>n</a:t>
                 </a:r>
-                <a:endParaRPr lang="en-US" altLang="en-US" sz="1800"/>
               </a:p>
             </p:txBody>
           </p:sp>
@@ -25873,11 +25735,7 @@
             <a:p>
               <a:pPr defTabSz="914400"/>
               <a:r>
-                <a:rPr lang="en-US" altLang="en-US" sz="1500">
-                  <a:solidFill>
-                    <a:srgbClr val="000000"/>
-                  </a:solidFill>
-                </a:rPr>
+                <a:rPr lang="en-US" altLang="en-US" sz="1500"/>
                 <a:t>ESR </a:t>
               </a:r>
               <a:endParaRPr lang="en-US" altLang="en-US" sz="1800"/>
@@ -26488,11 +26346,7 @@
             <a:p>
               <a:pPr defTabSz="914400"/>
               <a:r>
-                <a:rPr lang="en-US" altLang="en-US" sz="1500">
-                  <a:solidFill>
-                    <a:srgbClr val="000000"/>
-                  </a:solidFill>
-                </a:rPr>
+                <a:rPr lang="en-US" altLang="en-US" sz="1500"/>
                 <a:t>ESR </a:t>
               </a:r>
               <a:endParaRPr lang="en-US" altLang="en-US" sz="1800"/>
@@ -27113,11 +26967,7 @@
             <a:p>
               <a:pPr defTabSz="914400"/>
               <a:r>
-                <a:rPr lang="en-US" altLang="en-US" sz="1500">
-                  <a:solidFill>
-                    <a:srgbClr val="000000"/>
-                  </a:solidFill>
-                </a:rPr>
+                <a:rPr lang="en-US" altLang="en-US" sz="1500"/>
                 <a:t>Flip-flop</a:t>
               </a:r>
               <a:endParaRPr lang="en-US" altLang="en-US" sz="1800"/>
@@ -27221,6 +27071,2675 @@
           </p:txBody>
         </p:sp>
       </p:grpSp>
+      <p:sp>
+        <p:nvSpPr>
+          <p:cNvPr id="376" name="Rounded Rectangle 375"/>
+          <p:cNvSpPr/>
+          <p:nvPr/>
+        </p:nvSpPr>
+        <p:spPr>
+          <a:xfrm>
+            <a:off x="387704" y="375413"/>
+            <a:ext cx="489377" cy="90698"/>
+          </a:xfrm>
+          <a:prstGeom prst="roundRect">
+            <a:avLst>
+              <a:gd name="adj" fmla="val 50000"/>
+            </a:avLst>
+          </a:prstGeom>
+          <a:noFill/>
+          <a:ln w="19050">
+            <a:solidFill>
+              <a:schemeClr val="tx1"/>
+            </a:solidFill>
+          </a:ln>
+        </p:spPr>
+        <p:style>
+          <a:lnRef idx="2">
+            <a:schemeClr val="accent1">
+              <a:shade val="50000"/>
+            </a:schemeClr>
+          </a:lnRef>
+          <a:fillRef idx="1">
+            <a:schemeClr val="accent1"/>
+          </a:fillRef>
+          <a:effectRef idx="0">
+            <a:schemeClr val="accent1"/>
+          </a:effectRef>
+          <a:fontRef idx="minor">
+            <a:schemeClr val="lt1"/>
+          </a:fontRef>
+        </p:style>
+        <p:txBody>
+          <a:bodyPr rtlCol="0" anchor="ctr"/>
+          <a:lstStyle/>
+          <a:p>
+            <a:pPr algn="ctr"/>
+            <a:endParaRPr lang="en-AU" sz="2000">
+              <a:solidFill>
+                <a:schemeClr val="tx1"/>
+              </a:solidFill>
+            </a:endParaRPr>
+          </a:p>
+        </p:txBody>
+      </p:sp>
+      <mc:AlternateContent xmlns:mc="http://schemas.openxmlformats.org/markup-compatibility/2006">
+        <mc:Choice xmlns:a14="http://schemas.microsoft.com/office/drawing/2010/main" Requires="a14">
+          <p:sp>
+            <p:nvSpPr>
+              <p:cNvPr id="377" name="TextBox 376"/>
+              <p:cNvSpPr txBox="1"/>
+              <p:nvPr/>
+            </p:nvSpPr>
+            <p:spPr>
+              <a:xfrm>
+                <a:off x="352018" y="75978"/>
+                <a:ext cx="586250" cy="338554"/>
+              </a:xfrm>
+              <a:prstGeom prst="rect">
+                <a:avLst/>
+              </a:prstGeom>
+              <a:noFill/>
+            </p:spPr>
+            <p:txBody>
+              <a:bodyPr wrap="none" rtlCol="0">
+                <a:spAutoFit/>
+              </a:bodyPr>
+              <a:lstStyle/>
+              <a:p>
+                <a:pPr algn="r"/>
+                <a14:m>
+                  <m:oMathPara xmlns:m="http://schemas.openxmlformats.org/officeDocument/2006/math">
+                    <m:oMathParaPr>
+                      <m:jc m:val="center"/>
+                    </m:oMathParaPr>
+                    <m:oMath xmlns:m="http://schemas.openxmlformats.org/officeDocument/2006/math">
+                      <m:d>
+                        <m:dPr>
+                          <m:begChr m:val="|"/>
+                          <m:endChr m:val=""/>
+                          <m:ctrlPr>
+                            <a:rPr lang="en-AU" sz="1600" i="1">
+                              <a:latin typeface="Cambria Math" panose="02040503050406030204" pitchFamily="18" charset="0"/>
+                            </a:rPr>
+                          </m:ctrlPr>
+                        </m:dPr>
+                        <m:e>
+                          <m:d>
+                            <m:dPr>
+                              <m:begChr m:val=""/>
+                              <m:endChr m:val="⟩"/>
+                              <m:ctrlPr>
+                                <a:rPr lang="en-AU" sz="1600" i="1">
+                                  <a:latin typeface="Cambria Math" panose="02040503050406030204" pitchFamily="18" charset="0"/>
+                                </a:rPr>
+                              </m:ctrlPr>
+                            </m:dPr>
+                            <m:e>
+                              <m:r>
+                                <a:rPr lang="en-AU" sz="1600" i="1">
+                                  <a:latin typeface="Cambria Math"/>
+                                  <a:ea typeface="Cambria Math"/>
+                                </a:rPr>
+                                <m:t>↑⇓</m:t>
+                              </m:r>
+                            </m:e>
+                          </m:d>
+                        </m:e>
+                      </m:d>
+                    </m:oMath>
+                  </m:oMathPara>
+                </a14:m>
+                <a:endParaRPr lang="en-AU" sz="1600" dirty="0"/>
+              </a:p>
+            </p:txBody>
+          </p:sp>
+        </mc:Choice>
+        <mc:Fallback>
+          <p:sp>
+            <p:nvSpPr>
+              <p:cNvPr id="377" name="TextBox 376"/>
+              <p:cNvSpPr txBox="1">
+                <a:spLocks noRot="1" noChangeAspect="1" noMove="1" noResize="1" noEditPoints="1" noAdjustHandles="1" noChangeArrowheads="1" noChangeShapeType="1" noTextEdit="1"/>
+              </p:cNvSpPr>
+              <p:nvPr/>
+            </p:nvSpPr>
+            <p:spPr>
+              <a:xfrm>
+                <a:off x="352018" y="75978"/>
+                <a:ext cx="586250" cy="338554"/>
+              </a:xfrm>
+              <a:prstGeom prst="rect">
+                <a:avLst/>
+              </a:prstGeom>
+              <a:blipFill>
+                <a:blip r:embed="rId2"/>
+                <a:stretch>
+                  <a:fillRect l="-43750" t="-108929" r="-63542" b="-167857"/>
+                </a:stretch>
+              </a:blipFill>
+            </p:spPr>
+            <p:txBody>
+              <a:bodyPr/>
+              <a:lstStyle/>
+              <a:p>
+                <a:r>
+                  <a:rPr lang="en-AU">
+                    <a:noFill/>
+                  </a:rPr>
+                  <a:t> </a:t>
+                </a:r>
+              </a:p>
+            </p:txBody>
+          </p:sp>
+        </mc:Fallback>
+      </mc:AlternateContent>
+      <p:sp>
+        <p:nvSpPr>
+          <p:cNvPr id="378" name="Rounded Rectangle 377"/>
+          <p:cNvSpPr/>
+          <p:nvPr/>
+        </p:nvSpPr>
+        <p:spPr>
+          <a:xfrm>
+            <a:off x="439112" y="1459794"/>
+            <a:ext cx="489377" cy="90698"/>
+          </a:xfrm>
+          <a:prstGeom prst="roundRect">
+            <a:avLst>
+              <a:gd name="adj" fmla="val 50000"/>
+            </a:avLst>
+          </a:prstGeom>
+          <a:noFill/>
+          <a:ln w="19050">
+            <a:solidFill>
+              <a:schemeClr val="tx1"/>
+            </a:solidFill>
+          </a:ln>
+        </p:spPr>
+        <p:style>
+          <a:lnRef idx="2">
+            <a:schemeClr val="accent1">
+              <a:shade val="50000"/>
+            </a:schemeClr>
+          </a:lnRef>
+          <a:fillRef idx="1">
+            <a:schemeClr val="accent1"/>
+          </a:fillRef>
+          <a:effectRef idx="0">
+            <a:schemeClr val="accent1"/>
+          </a:effectRef>
+          <a:fontRef idx="minor">
+            <a:schemeClr val="lt1"/>
+          </a:fontRef>
+        </p:style>
+        <p:txBody>
+          <a:bodyPr rtlCol="0" anchor="ctr"/>
+          <a:lstStyle/>
+          <a:p>
+            <a:pPr algn="ctr"/>
+            <a:endParaRPr lang="en-AU" sz="2000">
+              <a:solidFill>
+                <a:schemeClr val="tx1"/>
+              </a:solidFill>
+            </a:endParaRPr>
+          </a:p>
+        </p:txBody>
+      </p:sp>
+      <mc:AlternateContent xmlns:mc="http://schemas.openxmlformats.org/markup-compatibility/2006">
+        <mc:Choice xmlns:a14="http://schemas.microsoft.com/office/drawing/2010/main" Requires="a14">
+          <p:sp>
+            <p:nvSpPr>
+              <p:cNvPr id="379" name="Rectangle 378"/>
+              <p:cNvSpPr/>
+              <p:nvPr/>
+            </p:nvSpPr>
+            <p:spPr>
+              <a:xfrm>
+                <a:off x="430732" y="1509893"/>
+                <a:ext cx="586250" cy="338554"/>
+              </a:xfrm>
+              <a:prstGeom prst="rect">
+                <a:avLst/>
+              </a:prstGeom>
+            </p:spPr>
+            <p:txBody>
+              <a:bodyPr wrap="none">
+                <a:spAutoFit/>
+              </a:bodyPr>
+              <a:lstStyle/>
+              <a:p>
+                <a:pPr algn="ctr"/>
+                <a14:m>
+                  <m:oMathPara xmlns:m="http://schemas.openxmlformats.org/officeDocument/2006/math">
+                    <m:oMathParaPr>
+                      <m:jc m:val="centerGroup"/>
+                    </m:oMathParaPr>
+                    <m:oMath xmlns:m="http://schemas.openxmlformats.org/officeDocument/2006/math">
+                      <m:d>
+                        <m:dPr>
+                          <m:begChr m:val="|"/>
+                          <m:endChr m:val=""/>
+                          <m:ctrlPr>
+                            <a:rPr lang="en-AU" sz="1600" i="1">
+                              <a:latin typeface="Cambria Math" panose="02040503050406030204" pitchFamily="18" charset="0"/>
+                            </a:rPr>
+                          </m:ctrlPr>
+                        </m:dPr>
+                        <m:e>
+                          <m:d>
+                            <m:dPr>
+                              <m:begChr m:val=""/>
+                              <m:endChr m:val="⟩"/>
+                              <m:ctrlPr>
+                                <a:rPr lang="en-AU" sz="1600" i="1">
+                                  <a:latin typeface="Cambria Math" panose="02040503050406030204" pitchFamily="18" charset="0"/>
+                                </a:rPr>
+                              </m:ctrlPr>
+                            </m:dPr>
+                            <m:e>
+                              <m:r>
+                                <a:rPr lang="en-AU" sz="1600" i="1">
+                                  <a:latin typeface="Cambria Math"/>
+                                  <a:ea typeface="Cambria Math"/>
+                                </a:rPr>
+                                <m:t>↓⇓</m:t>
+                              </m:r>
+                            </m:e>
+                          </m:d>
+                        </m:e>
+                      </m:d>
+                    </m:oMath>
+                  </m:oMathPara>
+                </a14:m>
+                <a:endParaRPr lang="en-AU" sz="1600" dirty="0"/>
+              </a:p>
+            </p:txBody>
+          </p:sp>
+        </mc:Choice>
+        <mc:Fallback>
+          <p:sp>
+            <p:nvSpPr>
+              <p:cNvPr id="379" name="Rectangle 378"/>
+              <p:cNvSpPr>
+                <a:spLocks noRot="1" noChangeAspect="1" noMove="1" noResize="1" noEditPoints="1" noAdjustHandles="1" noChangeArrowheads="1" noChangeShapeType="1" noTextEdit="1"/>
+              </p:cNvSpPr>
+              <p:nvPr/>
+            </p:nvSpPr>
+            <p:spPr>
+              <a:xfrm>
+                <a:off x="430732" y="1509893"/>
+                <a:ext cx="586250" cy="338554"/>
+              </a:xfrm>
+              <a:prstGeom prst="rect">
+                <a:avLst/>
+              </a:prstGeom>
+              <a:blipFill>
+                <a:blip r:embed="rId3"/>
+                <a:stretch>
+                  <a:fillRect l="-47917" t="-110909" r="-59375" b="-172727"/>
+                </a:stretch>
+              </a:blipFill>
+            </p:spPr>
+            <p:txBody>
+              <a:bodyPr/>
+              <a:lstStyle/>
+              <a:p>
+                <a:r>
+                  <a:rPr lang="en-AU">
+                    <a:noFill/>
+                  </a:rPr>
+                  <a:t> </a:t>
+                </a:r>
+              </a:p>
+            </p:txBody>
+          </p:sp>
+        </mc:Fallback>
+      </mc:AlternateContent>
+      <p:pic>
+        <p:nvPicPr>
+          <p:cNvPr id="381" name="Picture 3"/>
+          <p:cNvPicPr>
+            <a:picLocks noChangeAspect="1" noChangeArrowheads="1"/>
+          </p:cNvPicPr>
+          <p:nvPr/>
+        </p:nvPicPr>
+        <p:blipFill>
+          <a:blip r:embed="rId4" cstate="print">
+            <a:duotone>
+              <a:prstClr val="black"/>
+              <a:schemeClr val="accent6">
+                <a:tint val="45000"/>
+                <a:satMod val="400000"/>
+              </a:schemeClr>
+            </a:duotone>
+            <a:extLst>
+              <a:ext uri="{28A0092B-C50C-407E-A947-70E740481C1C}">
+                <a14:useLocalDpi xmlns:a14="http://schemas.microsoft.com/office/drawing/2010/main"/>
+              </a:ext>
+            </a:extLst>
+          </a:blip>
+          <a:srcRect/>
+          <a:stretch>
+            <a:fillRect/>
+          </a:stretch>
+        </p:blipFill>
+        <p:spPr bwMode="auto">
+          <a:xfrm rot="17709306">
+            <a:off x="672479" y="481452"/>
+            <a:ext cx="879589" cy="1114104"/>
+          </a:xfrm>
+          <a:prstGeom prst="rect">
+            <a:avLst/>
+          </a:prstGeom>
+          <a:noFill/>
+          <a:ln>
+            <a:noFill/>
+          </a:ln>
+          <a:effectLst/>
+          <a:extLst>
+            <a:ext uri="{909E8E84-426E-40DD-AFC4-6F175D3DCCD1}">
+              <a14:hiddenFill xmlns:a14="http://schemas.microsoft.com/office/drawing/2010/main">
+                <a:solidFill>
+                  <a:schemeClr val="accent1"/>
+                </a:solidFill>
+              </a14:hiddenFill>
+            </a:ext>
+            <a:ext uri="{91240B29-F687-4F45-9708-019B960494DF}">
+              <a14:hiddenLine xmlns:a14="http://schemas.microsoft.com/office/drawing/2010/main" w="9525">
+                <a:solidFill>
+                  <a:schemeClr val="tx1"/>
+                </a:solidFill>
+                <a:miter lim="800000"/>
+                <a:headEnd/>
+                <a:tailEnd/>
+              </a14:hiddenLine>
+            </a:ext>
+            <a:ext uri="{AF507438-7753-43E0-B8FC-AC1667EBCBE1}">
+              <a14:hiddenEffects xmlns:a14="http://schemas.microsoft.com/office/drawing/2010/main">
+                <a:effectLst>
+                  <a:outerShdw dist="35921" dir="2700000" algn="ctr" rotWithShape="0">
+                    <a:schemeClr val="bg2"/>
+                  </a:outerShdw>
+                </a:effectLst>
+              </a14:hiddenEffects>
+            </a:ext>
+          </a:extLst>
+        </p:spPr>
+      </p:pic>
+      <p:sp>
+        <p:nvSpPr>
+          <p:cNvPr id="385" name="Rounded Rectangle 384"/>
+          <p:cNvSpPr/>
+          <p:nvPr/>
+        </p:nvSpPr>
+        <p:spPr>
+          <a:xfrm>
+            <a:off x="1386503" y="1580997"/>
+            <a:ext cx="489377" cy="90698"/>
+          </a:xfrm>
+          <a:prstGeom prst="roundRect">
+            <a:avLst>
+              <a:gd name="adj" fmla="val 50000"/>
+            </a:avLst>
+          </a:prstGeom>
+          <a:noFill/>
+          <a:ln w="19050">
+            <a:solidFill>
+              <a:schemeClr val="tx1"/>
+            </a:solidFill>
+          </a:ln>
+        </p:spPr>
+        <p:style>
+          <a:lnRef idx="2">
+            <a:schemeClr val="accent1">
+              <a:shade val="50000"/>
+            </a:schemeClr>
+          </a:lnRef>
+          <a:fillRef idx="1">
+            <a:schemeClr val="accent1"/>
+          </a:fillRef>
+          <a:effectRef idx="0">
+            <a:schemeClr val="accent1"/>
+          </a:effectRef>
+          <a:fontRef idx="minor">
+            <a:schemeClr val="lt1"/>
+          </a:fontRef>
+        </p:style>
+        <p:txBody>
+          <a:bodyPr rtlCol="0" anchor="ctr"/>
+          <a:lstStyle/>
+          <a:p>
+            <a:pPr algn="ctr"/>
+            <a:endParaRPr lang="en-AU" sz="2000">
+              <a:solidFill>
+                <a:schemeClr val="tx1"/>
+              </a:solidFill>
+            </a:endParaRPr>
+          </a:p>
+        </p:txBody>
+      </p:sp>
+      <mc:AlternateContent xmlns:mc="http://schemas.openxmlformats.org/markup-compatibility/2006">
+        <mc:Choice xmlns:a14="http://schemas.microsoft.com/office/drawing/2010/main" Requires="a14">
+          <p:sp>
+            <p:nvSpPr>
+              <p:cNvPr id="386" name="Rectangle 385"/>
+              <p:cNvSpPr/>
+              <p:nvPr/>
+            </p:nvSpPr>
+            <p:spPr>
+              <a:xfrm>
+                <a:off x="1390503" y="1643626"/>
+                <a:ext cx="586250" cy="338554"/>
+              </a:xfrm>
+              <a:prstGeom prst="rect">
+                <a:avLst/>
+              </a:prstGeom>
+            </p:spPr>
+            <p:txBody>
+              <a:bodyPr wrap="none">
+                <a:spAutoFit/>
+              </a:bodyPr>
+              <a:lstStyle/>
+              <a:p>
+                <a:pPr algn="ctr"/>
+                <a14:m>
+                  <m:oMathPara xmlns:m="http://schemas.openxmlformats.org/officeDocument/2006/math">
+                    <m:oMathParaPr>
+                      <m:jc m:val="centerGroup"/>
+                    </m:oMathParaPr>
+                    <m:oMath xmlns:m="http://schemas.openxmlformats.org/officeDocument/2006/math">
+                      <m:d>
+                        <m:dPr>
+                          <m:begChr m:val="|"/>
+                          <m:endChr m:val=""/>
+                          <m:ctrlPr>
+                            <a:rPr lang="en-AU" sz="1600" i="1">
+                              <a:latin typeface="Cambria Math" panose="02040503050406030204" pitchFamily="18" charset="0"/>
+                            </a:rPr>
+                          </m:ctrlPr>
+                        </m:dPr>
+                        <m:e>
+                          <m:d>
+                            <m:dPr>
+                              <m:begChr m:val=""/>
+                              <m:endChr m:val="⟩"/>
+                              <m:ctrlPr>
+                                <a:rPr lang="en-AU" sz="1600" i="1">
+                                  <a:latin typeface="Cambria Math" panose="02040503050406030204" pitchFamily="18" charset="0"/>
+                                </a:rPr>
+                              </m:ctrlPr>
+                            </m:dPr>
+                            <m:e>
+                              <m:r>
+                                <a:rPr lang="en-AU" sz="1600" i="1">
+                                  <a:latin typeface="Cambria Math"/>
+                                  <a:ea typeface="Cambria Math"/>
+                                </a:rPr>
+                                <m:t>↓⇑</m:t>
+                              </m:r>
+                            </m:e>
+                          </m:d>
+                        </m:e>
+                      </m:d>
+                    </m:oMath>
+                  </m:oMathPara>
+                </a14:m>
+                <a:endParaRPr lang="en-AU" sz="1600" dirty="0"/>
+              </a:p>
+            </p:txBody>
+          </p:sp>
+        </mc:Choice>
+        <mc:Fallback>
+          <p:sp>
+            <p:nvSpPr>
+              <p:cNvPr id="386" name="Rectangle 385"/>
+              <p:cNvSpPr>
+                <a:spLocks noRot="1" noChangeAspect="1" noMove="1" noResize="1" noEditPoints="1" noAdjustHandles="1" noChangeArrowheads="1" noChangeShapeType="1" noTextEdit="1"/>
+              </p:cNvSpPr>
+              <p:nvPr/>
+            </p:nvSpPr>
+            <p:spPr>
+              <a:xfrm>
+                <a:off x="1390503" y="1643626"/>
+                <a:ext cx="586250" cy="338554"/>
+              </a:xfrm>
+              <a:prstGeom prst="rect">
+                <a:avLst/>
+              </a:prstGeom>
+              <a:blipFill>
+                <a:blip r:embed="rId5"/>
+                <a:stretch>
+                  <a:fillRect l="-46875" t="-110909" r="-60417" b="-172727"/>
+                </a:stretch>
+              </a:blipFill>
+            </p:spPr>
+            <p:txBody>
+              <a:bodyPr/>
+              <a:lstStyle/>
+              <a:p>
+                <a:r>
+                  <a:rPr lang="en-AU">
+                    <a:noFill/>
+                  </a:rPr>
+                  <a:t> </a:t>
+                </a:r>
+              </a:p>
+            </p:txBody>
+          </p:sp>
+        </mc:Fallback>
+      </mc:AlternateContent>
+      <p:sp>
+        <p:nvSpPr>
+          <p:cNvPr id="387" name="Rounded Rectangle 386"/>
+          <p:cNvSpPr/>
+          <p:nvPr/>
+        </p:nvSpPr>
+        <p:spPr>
+          <a:xfrm>
+            <a:off x="1346095" y="300907"/>
+            <a:ext cx="489377" cy="90698"/>
+          </a:xfrm>
+          <a:prstGeom prst="roundRect">
+            <a:avLst>
+              <a:gd name="adj" fmla="val 50000"/>
+            </a:avLst>
+          </a:prstGeom>
+          <a:noFill/>
+          <a:ln w="19050">
+            <a:solidFill>
+              <a:schemeClr val="tx1"/>
+            </a:solidFill>
+          </a:ln>
+        </p:spPr>
+        <p:style>
+          <a:lnRef idx="2">
+            <a:schemeClr val="accent1">
+              <a:shade val="50000"/>
+            </a:schemeClr>
+          </a:lnRef>
+          <a:fillRef idx="1">
+            <a:schemeClr val="accent1"/>
+          </a:fillRef>
+          <a:effectRef idx="0">
+            <a:schemeClr val="accent1"/>
+          </a:effectRef>
+          <a:fontRef idx="minor">
+            <a:schemeClr val="lt1"/>
+          </a:fontRef>
+        </p:style>
+        <p:txBody>
+          <a:bodyPr rtlCol="0" anchor="ctr"/>
+          <a:lstStyle/>
+          <a:p>
+            <a:pPr algn="ctr"/>
+            <a:endParaRPr lang="en-AU" sz="2000">
+              <a:solidFill>
+                <a:schemeClr val="tx1"/>
+              </a:solidFill>
+            </a:endParaRPr>
+          </a:p>
+        </p:txBody>
+      </p:sp>
+      <mc:AlternateContent xmlns:mc="http://schemas.openxmlformats.org/markup-compatibility/2006">
+        <mc:Choice xmlns:a14="http://schemas.microsoft.com/office/drawing/2010/main" Requires="a14">
+          <p:sp>
+            <p:nvSpPr>
+              <p:cNvPr id="388" name="Rectangle 387"/>
+              <p:cNvSpPr/>
+              <p:nvPr/>
+            </p:nvSpPr>
+            <p:spPr>
+              <a:xfrm>
+                <a:off x="1307174" y="-651"/>
+                <a:ext cx="586250" cy="338554"/>
+              </a:xfrm>
+              <a:prstGeom prst="rect">
+                <a:avLst/>
+              </a:prstGeom>
+            </p:spPr>
+            <p:txBody>
+              <a:bodyPr wrap="none">
+                <a:spAutoFit/>
+              </a:bodyPr>
+              <a:lstStyle/>
+              <a:p>
+                <a:pPr algn="ctr"/>
+                <a14:m>
+                  <m:oMathPara xmlns:m="http://schemas.openxmlformats.org/officeDocument/2006/math">
+                    <m:oMathParaPr>
+                      <m:jc m:val="centerGroup"/>
+                    </m:oMathParaPr>
+                    <m:oMath xmlns:m="http://schemas.openxmlformats.org/officeDocument/2006/math">
+                      <m:d>
+                        <m:dPr>
+                          <m:begChr m:val="|"/>
+                          <m:endChr m:val=""/>
+                          <m:ctrlPr>
+                            <a:rPr lang="en-AU" sz="1600" i="1">
+                              <a:latin typeface="Cambria Math" panose="02040503050406030204" pitchFamily="18" charset="0"/>
+                            </a:rPr>
+                          </m:ctrlPr>
+                        </m:dPr>
+                        <m:e>
+                          <m:d>
+                            <m:dPr>
+                              <m:begChr m:val=""/>
+                              <m:endChr m:val="⟩"/>
+                              <m:ctrlPr>
+                                <a:rPr lang="en-AU" sz="1600" i="1">
+                                  <a:latin typeface="Cambria Math" panose="02040503050406030204" pitchFamily="18" charset="0"/>
+                                </a:rPr>
+                              </m:ctrlPr>
+                            </m:dPr>
+                            <m:e>
+                              <m:r>
+                                <a:rPr lang="en-AU" sz="1600" i="1">
+                                  <a:latin typeface="Cambria Math"/>
+                                  <a:ea typeface="Cambria Math"/>
+                                </a:rPr>
+                                <m:t>↑⇑</m:t>
+                              </m:r>
+                            </m:e>
+                          </m:d>
+                        </m:e>
+                      </m:d>
+                    </m:oMath>
+                  </m:oMathPara>
+                </a14:m>
+                <a:endParaRPr lang="en-AU" sz="1600" dirty="0"/>
+              </a:p>
+            </p:txBody>
+          </p:sp>
+        </mc:Choice>
+        <mc:Fallback>
+          <p:sp>
+            <p:nvSpPr>
+              <p:cNvPr id="388" name="Rectangle 387"/>
+              <p:cNvSpPr>
+                <a:spLocks noRot="1" noChangeAspect="1" noMove="1" noResize="1" noEditPoints="1" noAdjustHandles="1" noChangeArrowheads="1" noChangeShapeType="1" noTextEdit="1"/>
+              </p:cNvSpPr>
+              <p:nvPr/>
+            </p:nvSpPr>
+            <p:spPr>
+              <a:xfrm>
+                <a:off x="1307174" y="-651"/>
+                <a:ext cx="586250" cy="338554"/>
+              </a:xfrm>
+              <a:prstGeom prst="rect">
+                <a:avLst/>
+              </a:prstGeom>
+              <a:blipFill>
+                <a:blip r:embed="rId6"/>
+                <a:stretch>
+                  <a:fillRect l="-46392" t="-110909" r="-58763" b="-172727"/>
+                </a:stretch>
+              </a:blipFill>
+            </p:spPr>
+            <p:txBody>
+              <a:bodyPr/>
+              <a:lstStyle/>
+              <a:p>
+                <a:r>
+                  <a:rPr lang="en-AU">
+                    <a:noFill/>
+                  </a:rPr>
+                  <a:t> </a:t>
+                </a:r>
+              </a:p>
+            </p:txBody>
+          </p:sp>
+        </mc:Fallback>
+      </mc:AlternateContent>
+      <p:pic>
+        <p:nvPicPr>
+          <p:cNvPr id="389" name="Picture 11"/>
+          <p:cNvPicPr>
+            <a:picLocks noChangeAspect="1" noChangeArrowheads="1"/>
+          </p:cNvPicPr>
+          <p:nvPr/>
+        </p:nvPicPr>
+        <p:blipFill rotWithShape="1">
+          <a:blip r:embed="rId7" cstate="print">
+            <a:duotone>
+              <a:schemeClr val="accent5">
+                <a:shade val="45000"/>
+                <a:satMod val="135000"/>
+              </a:schemeClr>
+              <a:prstClr val="white"/>
+            </a:duotone>
+            <a:extLst>
+              <a:ext uri="{28A0092B-C50C-407E-A947-70E740481C1C}">
+                <a14:useLocalDpi xmlns:a14="http://schemas.microsoft.com/office/drawing/2010/main"/>
+              </a:ext>
+            </a:extLst>
+          </a:blip>
+          <a:srcRect l="39770" t="7034" r="37398" b="7691"/>
+          <a:stretch/>
+        </p:blipFill>
+        <p:spPr bwMode="auto">
+          <a:xfrm>
+            <a:off x="1485742" y="413673"/>
+            <a:ext cx="253630" cy="1134728"/>
+          </a:xfrm>
+          <a:prstGeom prst="rect">
+            <a:avLst/>
+          </a:prstGeom>
+          <a:noFill/>
+          <a:ln>
+            <a:noFill/>
+          </a:ln>
+          <a:effectLst/>
+          <a:extLst>
+            <a:ext uri="{909E8E84-426E-40DD-AFC4-6F175D3DCCD1}">
+              <a14:hiddenFill xmlns:a14="http://schemas.microsoft.com/office/drawing/2010/main">
+                <a:solidFill>
+                  <a:schemeClr val="accent1"/>
+                </a:solidFill>
+              </a14:hiddenFill>
+            </a:ext>
+            <a:ext uri="{91240B29-F687-4F45-9708-019B960494DF}">
+              <a14:hiddenLine xmlns:a14="http://schemas.microsoft.com/office/drawing/2010/main" w="9525">
+                <a:solidFill>
+                  <a:schemeClr val="tx1"/>
+                </a:solidFill>
+                <a:miter lim="800000"/>
+                <a:headEnd/>
+                <a:tailEnd/>
+              </a14:hiddenLine>
+            </a:ext>
+            <a:ext uri="{AF507438-7753-43E0-B8FC-AC1667EBCBE1}">
+              <a14:hiddenEffects xmlns:a14="http://schemas.microsoft.com/office/drawing/2010/main">
+                <a:effectLst>
+                  <a:outerShdw dist="35921" dir="2700000" algn="ctr" rotWithShape="0">
+                    <a:schemeClr val="bg2"/>
+                  </a:outerShdw>
+                </a:effectLst>
+              </a14:hiddenEffects>
+            </a:ext>
+          </a:extLst>
+        </p:spPr>
+      </p:pic>
+      <p:pic>
+        <p:nvPicPr>
+          <p:cNvPr id="392" name="Picture 11"/>
+          <p:cNvPicPr>
+            <a:picLocks noChangeAspect="1" noChangeArrowheads="1"/>
+          </p:cNvPicPr>
+          <p:nvPr/>
+        </p:nvPicPr>
+        <p:blipFill rotWithShape="1">
+          <a:blip r:embed="rId7" cstate="print">
+            <a:duotone>
+              <a:schemeClr val="accent1">
+                <a:shade val="45000"/>
+                <a:satMod val="135000"/>
+              </a:schemeClr>
+              <a:prstClr val="white"/>
+            </a:duotone>
+            <a:lum bright="20000" contrast="40000"/>
+            <a:extLst>
+              <a:ext uri="{28A0092B-C50C-407E-A947-70E740481C1C}">
+                <a14:useLocalDpi xmlns:a14="http://schemas.microsoft.com/office/drawing/2010/main"/>
+              </a:ext>
+            </a:extLst>
+          </a:blip>
+          <a:srcRect l="39770" t="7034" r="37398" b="7691"/>
+          <a:stretch/>
+        </p:blipFill>
+        <p:spPr bwMode="auto">
+          <a:xfrm>
+            <a:off x="523304" y="453576"/>
+            <a:ext cx="253630" cy="1002815"/>
+          </a:xfrm>
+          <a:prstGeom prst="rect">
+            <a:avLst/>
+          </a:prstGeom>
+          <a:noFill/>
+          <a:ln>
+            <a:noFill/>
+          </a:ln>
+          <a:effectLst/>
+          <a:extLst>
+            <a:ext uri="{909E8E84-426E-40DD-AFC4-6F175D3DCCD1}">
+              <a14:hiddenFill xmlns:a14="http://schemas.microsoft.com/office/drawing/2010/main">
+                <a:solidFill>
+                  <a:schemeClr val="accent1"/>
+                </a:solidFill>
+              </a14:hiddenFill>
+            </a:ext>
+            <a:ext uri="{91240B29-F687-4F45-9708-019B960494DF}">
+              <a14:hiddenLine xmlns:a14="http://schemas.microsoft.com/office/drawing/2010/main" w="9525">
+                <a:solidFill>
+                  <a:schemeClr val="tx1"/>
+                </a:solidFill>
+                <a:miter lim="800000"/>
+                <a:headEnd/>
+                <a:tailEnd/>
+              </a14:hiddenLine>
+            </a:ext>
+            <a:ext uri="{AF507438-7753-43E0-B8FC-AC1667EBCBE1}">
+              <a14:hiddenEffects xmlns:a14="http://schemas.microsoft.com/office/drawing/2010/main">
+                <a:effectLst>
+                  <a:outerShdw dist="35921" dir="2700000" algn="ctr" rotWithShape="0">
+                    <a:schemeClr val="bg2"/>
+                  </a:outerShdw>
+                </a:effectLst>
+              </a14:hiddenEffects>
+            </a:ext>
+          </a:extLst>
+        </p:spPr>
+      </p:pic>
+      <mc:AlternateContent xmlns:mc="http://schemas.openxmlformats.org/markup-compatibility/2006">
+        <mc:Choice xmlns:a14="http://schemas.microsoft.com/office/drawing/2010/main" Requires="a14">
+          <p:sp>
+            <p:nvSpPr>
+              <p:cNvPr id="2" name="TextBox 1"/>
+              <p:cNvSpPr txBox="1"/>
+              <p:nvPr/>
+            </p:nvSpPr>
+            <p:spPr>
+              <a:xfrm>
+                <a:off x="1626170" y="810959"/>
+                <a:ext cx="739735" cy="338554"/>
+              </a:xfrm>
+              <a:prstGeom prst="rect">
+                <a:avLst/>
+              </a:prstGeom>
+              <a:noFill/>
+            </p:spPr>
+            <p:txBody>
+              <a:bodyPr wrap="square" rtlCol="0">
+                <a:spAutoFit/>
+              </a:bodyPr>
+              <a:lstStyle/>
+              <a:p>
+                <a:r>
+                  <a:rPr lang="en-AU" sz="1600" dirty="0" smtClean="0">
+                    <a:solidFill>
+                      <a:schemeClr val="accent5">
+                        <a:lumMod val="75000"/>
+                      </a:schemeClr>
+                    </a:solidFill>
+                  </a:rPr>
+                  <a:t>ESR </a:t>
+                </a:r>
+                <a14:m>
+                  <m:oMath xmlns:m="http://schemas.openxmlformats.org/officeDocument/2006/math">
+                    <m:r>
+                      <a:rPr lang="en-AU" sz="1600" b="0" i="1" smtClean="0">
+                        <a:solidFill>
+                          <a:schemeClr val="accent5">
+                            <a:lumMod val="75000"/>
+                          </a:schemeClr>
+                        </a:solidFill>
+                        <a:latin typeface="Cambria Math" panose="02040503050406030204" pitchFamily="18" charset="0"/>
+                      </a:rPr>
+                      <m:t>⇑</m:t>
+                    </m:r>
+                  </m:oMath>
+                </a14:m>
+                <a:endParaRPr lang="en-AU" sz="1600" dirty="0">
+                  <a:solidFill>
+                    <a:schemeClr val="accent5">
+                      <a:lumMod val="75000"/>
+                    </a:schemeClr>
+                  </a:solidFill>
+                </a:endParaRPr>
+              </a:p>
+            </p:txBody>
+          </p:sp>
+        </mc:Choice>
+        <mc:Fallback>
+          <p:sp>
+            <p:nvSpPr>
+              <p:cNvPr id="2" name="TextBox 1"/>
+              <p:cNvSpPr txBox="1">
+                <a:spLocks noRot="1" noChangeAspect="1" noMove="1" noResize="1" noEditPoints="1" noAdjustHandles="1" noChangeArrowheads="1" noChangeShapeType="1" noTextEdit="1"/>
+              </p:cNvSpPr>
+              <p:nvPr/>
+            </p:nvSpPr>
+            <p:spPr>
+              <a:xfrm>
+                <a:off x="1626170" y="810959"/>
+                <a:ext cx="739735" cy="338554"/>
+              </a:xfrm>
+              <a:prstGeom prst="rect">
+                <a:avLst/>
+              </a:prstGeom>
+              <a:blipFill>
+                <a:blip r:embed="rId8"/>
+                <a:stretch>
+                  <a:fillRect l="-4959" t="-5357" b="-21429"/>
+                </a:stretch>
+              </a:blipFill>
+            </p:spPr>
+            <p:txBody>
+              <a:bodyPr/>
+              <a:lstStyle/>
+              <a:p>
+                <a:r>
+                  <a:rPr lang="en-AU">
+                    <a:noFill/>
+                  </a:rPr>
+                  <a:t> </a:t>
+                </a:r>
+              </a:p>
+            </p:txBody>
+          </p:sp>
+        </mc:Fallback>
+      </mc:AlternateContent>
+      <mc:AlternateContent xmlns:mc="http://schemas.openxmlformats.org/markup-compatibility/2006">
+        <mc:Choice xmlns:a14="http://schemas.microsoft.com/office/drawing/2010/main" Requires="a14">
+          <p:sp>
+            <p:nvSpPr>
+              <p:cNvPr id="393" name="TextBox 392"/>
+              <p:cNvSpPr txBox="1"/>
+              <p:nvPr/>
+            </p:nvSpPr>
+            <p:spPr>
+              <a:xfrm>
+                <a:off x="-9321" y="788608"/>
+                <a:ext cx="739735" cy="338554"/>
+              </a:xfrm>
+              <a:prstGeom prst="rect">
+                <a:avLst/>
+              </a:prstGeom>
+              <a:noFill/>
+            </p:spPr>
+            <p:txBody>
+              <a:bodyPr wrap="square" rtlCol="0">
+                <a:spAutoFit/>
+              </a:bodyPr>
+              <a:lstStyle/>
+              <a:p>
+                <a:r>
+                  <a:rPr lang="en-AU" sz="1600" dirty="0" smtClean="0">
+                    <a:solidFill>
+                      <a:srgbClr val="127DD8"/>
+                    </a:solidFill>
+                  </a:rPr>
+                  <a:t>ESR </a:t>
+                </a:r>
+                <a14:m>
+                  <m:oMath xmlns:m="http://schemas.openxmlformats.org/officeDocument/2006/math">
+                    <m:r>
+                      <a:rPr lang="en-AU" sz="1600" b="0" i="1" smtClean="0">
+                        <a:solidFill>
+                          <a:srgbClr val="127DD8"/>
+                        </a:solidFill>
+                        <a:latin typeface="Cambria Math" panose="02040503050406030204" pitchFamily="18" charset="0"/>
+                      </a:rPr>
+                      <m:t>⇓</m:t>
+                    </m:r>
+                  </m:oMath>
+                </a14:m>
+                <a:endParaRPr lang="en-AU" sz="1600" dirty="0">
+                  <a:solidFill>
+                    <a:srgbClr val="127DD8"/>
+                  </a:solidFill>
+                </a:endParaRPr>
+              </a:p>
+            </p:txBody>
+          </p:sp>
+        </mc:Choice>
+        <mc:Fallback>
+          <p:sp>
+            <p:nvSpPr>
+              <p:cNvPr id="393" name="TextBox 392"/>
+              <p:cNvSpPr txBox="1">
+                <a:spLocks noRot="1" noChangeAspect="1" noMove="1" noResize="1" noEditPoints="1" noAdjustHandles="1" noChangeArrowheads="1" noChangeShapeType="1" noTextEdit="1"/>
+              </p:cNvSpPr>
+              <p:nvPr/>
+            </p:nvSpPr>
+            <p:spPr>
+              <a:xfrm>
+                <a:off x="-9321" y="788608"/>
+                <a:ext cx="739735" cy="338554"/>
+              </a:xfrm>
+              <a:prstGeom prst="rect">
+                <a:avLst/>
+              </a:prstGeom>
+              <a:blipFill>
+                <a:blip r:embed="rId9"/>
+                <a:stretch>
+                  <a:fillRect l="-4098" t="-5357" b="-21429"/>
+                </a:stretch>
+              </a:blipFill>
+            </p:spPr>
+            <p:txBody>
+              <a:bodyPr/>
+              <a:lstStyle/>
+              <a:p>
+                <a:r>
+                  <a:rPr lang="en-AU">
+                    <a:noFill/>
+                  </a:rPr>
+                  <a:t> </a:t>
+                </a:r>
+              </a:p>
+            </p:txBody>
+          </p:sp>
+        </mc:Fallback>
+      </mc:AlternateContent>
+      <p:sp>
+        <p:nvSpPr>
+          <p:cNvPr id="394" name="TextBox 393"/>
+          <p:cNvSpPr txBox="1"/>
+          <p:nvPr/>
+        </p:nvSpPr>
+        <p:spPr>
+          <a:xfrm>
+            <a:off x="923013" y="474089"/>
+            <a:ext cx="614497" cy="338554"/>
+          </a:xfrm>
+          <a:prstGeom prst="rect">
+            <a:avLst/>
+          </a:prstGeom>
+          <a:noFill/>
+        </p:spPr>
+        <p:txBody>
+          <a:bodyPr wrap="square" rtlCol="0">
+            <a:spAutoFit/>
+          </a:bodyPr>
+          <a:lstStyle/>
+          <a:p>
+            <a:r>
+              <a:rPr lang="en-AU" sz="1600" dirty="0" smtClean="0">
+                <a:solidFill>
+                  <a:srgbClr val="87BF77"/>
+                </a:solidFill>
+              </a:rPr>
+              <a:t>EDSR</a:t>
+            </a:r>
+            <a:endParaRPr lang="en-AU" sz="1600" dirty="0">
+              <a:solidFill>
+                <a:srgbClr val="87BF77"/>
+              </a:solidFill>
+            </a:endParaRPr>
+          </a:p>
+        </p:txBody>
+      </p:sp>
+      <p:sp>
+        <p:nvSpPr>
+          <p:cNvPr id="3" name="TextBox 2"/>
+          <p:cNvSpPr txBox="1"/>
+          <p:nvPr/>
+        </p:nvSpPr>
+        <p:spPr>
+          <a:xfrm>
+            <a:off x="0" y="5130"/>
+            <a:ext cx="262904" cy="369332"/>
+          </a:xfrm>
+          <a:prstGeom prst="rect">
+            <a:avLst/>
+          </a:prstGeom>
+          <a:noFill/>
+        </p:spPr>
+        <p:txBody>
+          <a:bodyPr wrap="square" rtlCol="0">
+            <a:spAutoFit/>
+          </a:bodyPr>
+          <a:lstStyle/>
+          <a:p>
+            <a:r>
+              <a:rPr lang="en-AU" sz="1800" b="1" dirty="0" smtClean="0"/>
+              <a:t>a</a:t>
+            </a:r>
+            <a:endParaRPr lang="en-AU" sz="1800" b="1" dirty="0"/>
+          </a:p>
+        </p:txBody>
+      </p:sp>
+      <p:sp>
+        <p:nvSpPr>
+          <p:cNvPr id="395" name="TextBox 394"/>
+          <p:cNvSpPr txBox="1"/>
+          <p:nvPr/>
+        </p:nvSpPr>
+        <p:spPr>
+          <a:xfrm>
+            <a:off x="1950767" y="25407"/>
+            <a:ext cx="262904" cy="369332"/>
+          </a:xfrm>
+          <a:prstGeom prst="rect">
+            <a:avLst/>
+          </a:prstGeom>
+          <a:noFill/>
+        </p:spPr>
+        <p:txBody>
+          <a:bodyPr wrap="square" rtlCol="0">
+            <a:spAutoFit/>
+          </a:bodyPr>
+          <a:lstStyle/>
+          <a:p>
+            <a:r>
+              <a:rPr lang="en-AU" sz="1800" b="1" dirty="0"/>
+              <a:t>b</a:t>
+            </a:r>
+            <a:endParaRPr lang="en-AU" sz="1800" b="1" dirty="0"/>
+          </a:p>
+        </p:txBody>
+      </p:sp>
+      <p:sp>
+        <p:nvSpPr>
+          <p:cNvPr id="396" name="TextBox 395"/>
+          <p:cNvSpPr txBox="1"/>
+          <p:nvPr/>
+        </p:nvSpPr>
+        <p:spPr>
+          <a:xfrm>
+            <a:off x="-1131" y="1854150"/>
+            <a:ext cx="262904" cy="369332"/>
+          </a:xfrm>
+          <a:prstGeom prst="rect">
+            <a:avLst/>
+          </a:prstGeom>
+          <a:noFill/>
+        </p:spPr>
+        <p:txBody>
+          <a:bodyPr wrap="square" rtlCol="0">
+            <a:spAutoFit/>
+          </a:bodyPr>
+          <a:lstStyle/>
+          <a:p>
+            <a:r>
+              <a:rPr lang="en-AU" sz="1800" b="1" dirty="0" smtClean="0"/>
+              <a:t>c</a:t>
+            </a:r>
+            <a:endParaRPr lang="en-AU" sz="1800" b="1" dirty="0"/>
+          </a:p>
+        </p:txBody>
+      </p:sp>
+      <mc:AlternateContent xmlns:mc="http://schemas.openxmlformats.org/markup-compatibility/2006">
+        <mc:Choice xmlns:a14="http://schemas.microsoft.com/office/drawing/2010/main" Requires="a14">
+          <p:sp>
+            <p:nvSpPr>
+              <p:cNvPr id="398" name="TextBox 397"/>
+              <p:cNvSpPr txBox="1"/>
+              <p:nvPr/>
+            </p:nvSpPr>
+            <p:spPr>
+              <a:xfrm>
+                <a:off x="2134656" y="1471739"/>
+                <a:ext cx="614584" cy="369332"/>
+              </a:xfrm>
+              <a:prstGeom prst="rect">
+                <a:avLst/>
+              </a:prstGeom>
+              <a:noFill/>
+            </p:spPr>
+            <p:txBody>
+              <a:bodyPr wrap="square" rtlCol="0">
+                <a:spAutoFit/>
+              </a:bodyPr>
+              <a:lstStyle/>
+              <a:p>
+                <a:pPr/>
+                <a14:m>
+                  <m:oMathPara xmlns:m="http://schemas.openxmlformats.org/officeDocument/2006/math">
+                    <m:oMathParaPr>
+                      <m:jc m:val="centerGroup"/>
+                    </m:oMathParaPr>
+                    <m:oMath xmlns:m="http://schemas.openxmlformats.org/officeDocument/2006/math">
+                      <m:d>
+                        <m:dPr>
+                          <m:begChr m:val="|"/>
+                          <m:endChr m:val=""/>
+                          <m:ctrlPr>
+                            <a:rPr lang="en-AU" sz="1800" i="1" smtClean="0">
+                              <a:latin typeface="Cambria Math" panose="02040503050406030204" pitchFamily="18" charset="0"/>
+                            </a:rPr>
+                          </m:ctrlPr>
+                        </m:dPr>
+                        <m:e>
+                          <m:d>
+                            <m:dPr>
+                              <m:begChr m:val=""/>
+                              <m:endChr m:val="⟩"/>
+                              <m:ctrlPr>
+                                <a:rPr lang="en-AU" sz="1800" i="1" smtClean="0">
+                                  <a:latin typeface="Cambria Math" panose="02040503050406030204" pitchFamily="18" charset="0"/>
+                                </a:rPr>
+                              </m:ctrlPr>
+                            </m:dPr>
+                            <m:e>
+                              <m:r>
+                                <a:rPr lang="en-US" sz="1800" b="0" i="1" smtClean="0">
+                                  <a:latin typeface="Cambria Math"/>
+                                </a:rPr>
+                                <m:t>↓⇑</m:t>
+                              </m:r>
+                            </m:e>
+                          </m:d>
+                        </m:e>
+                      </m:d>
+                    </m:oMath>
+                  </m:oMathPara>
+                </a14:m>
+                <a:endParaRPr lang="en-AU" sz="1800" dirty="0"/>
+              </a:p>
+            </p:txBody>
+          </p:sp>
+        </mc:Choice>
+        <mc:Fallback>
+          <p:sp>
+            <p:nvSpPr>
+              <p:cNvPr id="398" name="TextBox 397"/>
+              <p:cNvSpPr txBox="1">
+                <a:spLocks noRot="1" noChangeAspect="1" noMove="1" noResize="1" noEditPoints="1" noAdjustHandles="1" noChangeArrowheads="1" noChangeShapeType="1" noTextEdit="1"/>
+              </p:cNvSpPr>
+              <p:nvPr/>
+            </p:nvSpPr>
+            <p:spPr>
+              <a:xfrm>
+                <a:off x="2134656" y="1471739"/>
+                <a:ext cx="614584" cy="369332"/>
+              </a:xfrm>
+              <a:prstGeom prst="rect">
+                <a:avLst/>
+              </a:prstGeom>
+              <a:blipFill>
+                <a:blip r:embed="rId10"/>
+                <a:stretch>
+                  <a:fillRect l="-51485" t="-119672" r="-79208" b="-183607"/>
+                </a:stretch>
+              </a:blipFill>
+            </p:spPr>
+            <p:txBody>
+              <a:bodyPr/>
+              <a:lstStyle/>
+              <a:p>
+                <a:r>
+                  <a:rPr lang="en-AU">
+                    <a:noFill/>
+                  </a:rPr>
+                  <a:t> </a:t>
+                </a:r>
+              </a:p>
+            </p:txBody>
+          </p:sp>
+        </mc:Fallback>
+      </mc:AlternateContent>
+      <p:cxnSp>
+        <p:nvCxnSpPr>
+          <p:cNvPr id="399" name="Straight Connector 398"/>
+          <p:cNvCxnSpPr/>
+          <p:nvPr/>
+        </p:nvCxnSpPr>
+        <p:spPr>
+          <a:xfrm>
+            <a:off x="2274388" y="1262926"/>
+            <a:ext cx="355657" cy="0"/>
+          </a:xfrm>
+          <a:prstGeom prst="line">
+            <a:avLst/>
+          </a:prstGeom>
+          <a:ln w="28575">
+            <a:solidFill>
+              <a:schemeClr val="tx1"/>
+            </a:solidFill>
+            <a:prstDash val="sysDash"/>
+          </a:ln>
+        </p:spPr>
+        <p:style>
+          <a:lnRef idx="1">
+            <a:schemeClr val="accent1"/>
+          </a:lnRef>
+          <a:fillRef idx="0">
+            <a:schemeClr val="accent1"/>
+          </a:fillRef>
+          <a:effectRef idx="0">
+            <a:schemeClr val="accent1"/>
+          </a:effectRef>
+          <a:fontRef idx="minor">
+            <a:schemeClr val="tx1"/>
+          </a:fontRef>
+        </p:style>
+      </p:cxnSp>
+      <p:cxnSp>
+        <p:nvCxnSpPr>
+          <p:cNvPr id="400" name="Straight Connector 399"/>
+          <p:cNvCxnSpPr/>
+          <p:nvPr/>
+        </p:nvCxnSpPr>
+        <p:spPr>
+          <a:xfrm flipV="1">
+            <a:off x="2615772" y="871528"/>
+            <a:ext cx="1825" cy="404980"/>
+          </a:xfrm>
+          <a:prstGeom prst="line">
+            <a:avLst/>
+          </a:prstGeom>
+          <a:ln w="28575">
+            <a:solidFill>
+              <a:srgbClr val="127DD8"/>
+            </a:solidFill>
+          </a:ln>
+        </p:spPr>
+        <p:style>
+          <a:lnRef idx="1">
+            <a:schemeClr val="accent1"/>
+          </a:lnRef>
+          <a:fillRef idx="0">
+            <a:schemeClr val="accent1"/>
+          </a:fillRef>
+          <a:effectRef idx="0">
+            <a:schemeClr val="accent1"/>
+          </a:effectRef>
+          <a:fontRef idx="minor">
+            <a:schemeClr val="tx1"/>
+          </a:fontRef>
+        </p:style>
+      </p:cxnSp>
+      <p:cxnSp>
+        <p:nvCxnSpPr>
+          <p:cNvPr id="401" name="Straight Connector 400"/>
+          <p:cNvCxnSpPr/>
+          <p:nvPr/>
+        </p:nvCxnSpPr>
+        <p:spPr>
+          <a:xfrm>
+            <a:off x="2617596" y="871528"/>
+            <a:ext cx="403047" cy="0"/>
+          </a:xfrm>
+          <a:prstGeom prst="line">
+            <a:avLst/>
+          </a:prstGeom>
+          <a:ln w="28575">
+            <a:solidFill>
+              <a:srgbClr val="127DD8"/>
+            </a:solidFill>
+          </a:ln>
+        </p:spPr>
+        <p:style>
+          <a:lnRef idx="1">
+            <a:schemeClr val="accent1"/>
+          </a:lnRef>
+          <a:fillRef idx="0">
+            <a:schemeClr val="accent1"/>
+          </a:fillRef>
+          <a:effectRef idx="0">
+            <a:schemeClr val="accent1"/>
+          </a:effectRef>
+          <a:fontRef idx="minor">
+            <a:schemeClr val="tx1"/>
+          </a:fontRef>
+        </p:style>
+      </p:cxnSp>
+      <p:cxnSp>
+        <p:nvCxnSpPr>
+          <p:cNvPr id="402" name="Straight Connector 401"/>
+          <p:cNvCxnSpPr/>
+          <p:nvPr/>
+        </p:nvCxnSpPr>
+        <p:spPr>
+          <a:xfrm flipV="1">
+            <a:off x="3005268" y="871528"/>
+            <a:ext cx="2927" cy="402588"/>
+          </a:xfrm>
+          <a:prstGeom prst="line">
+            <a:avLst/>
+          </a:prstGeom>
+          <a:ln w="28575">
+            <a:solidFill>
+              <a:srgbClr val="127DD8"/>
+            </a:solidFill>
+          </a:ln>
+        </p:spPr>
+        <p:style>
+          <a:lnRef idx="1">
+            <a:schemeClr val="accent1"/>
+          </a:lnRef>
+          <a:fillRef idx="0">
+            <a:schemeClr val="accent1"/>
+          </a:fillRef>
+          <a:effectRef idx="0">
+            <a:schemeClr val="accent1"/>
+          </a:effectRef>
+          <a:fontRef idx="minor">
+            <a:schemeClr val="tx1"/>
+          </a:fontRef>
+        </p:style>
+      </p:cxnSp>
+      <p:cxnSp>
+        <p:nvCxnSpPr>
+          <p:cNvPr id="403" name="Straight Connector 402"/>
+          <p:cNvCxnSpPr/>
+          <p:nvPr/>
+        </p:nvCxnSpPr>
+        <p:spPr>
+          <a:xfrm flipV="1">
+            <a:off x="3014284" y="1262772"/>
+            <a:ext cx="402181" cy="154"/>
+          </a:xfrm>
+          <a:prstGeom prst="line">
+            <a:avLst/>
+          </a:prstGeom>
+          <a:ln w="28575">
+            <a:solidFill>
+              <a:schemeClr val="tx1"/>
+            </a:solidFill>
+            <a:prstDash val="sysDash"/>
+          </a:ln>
+        </p:spPr>
+        <p:style>
+          <a:lnRef idx="1">
+            <a:schemeClr val="accent1"/>
+          </a:lnRef>
+          <a:fillRef idx="0">
+            <a:schemeClr val="accent1"/>
+          </a:fillRef>
+          <a:effectRef idx="0">
+            <a:schemeClr val="accent1"/>
+          </a:effectRef>
+          <a:fontRef idx="minor">
+            <a:schemeClr val="tx1"/>
+          </a:fontRef>
+        </p:style>
+      </p:cxnSp>
+      <mc:AlternateContent xmlns:mc="http://schemas.openxmlformats.org/markup-compatibility/2006">
+        <mc:Choice xmlns:a14="http://schemas.microsoft.com/office/drawing/2010/main" Requires="a14">
+          <p:sp>
+            <p:nvSpPr>
+              <p:cNvPr id="404" name="TextBox 403"/>
+              <p:cNvSpPr txBox="1"/>
+              <p:nvPr/>
+            </p:nvSpPr>
+            <p:spPr>
+              <a:xfrm>
+                <a:off x="2920063" y="278611"/>
+                <a:ext cx="579928" cy="369332"/>
+              </a:xfrm>
+              <a:prstGeom prst="rect">
+                <a:avLst/>
+              </a:prstGeom>
+              <a:noFill/>
+            </p:spPr>
+            <p:txBody>
+              <a:bodyPr wrap="square" rtlCol="0">
+                <a:spAutoFit/>
+              </a:bodyPr>
+              <a:lstStyle/>
+              <a:p>
+                <a:pPr/>
+                <a14:m>
+                  <m:oMathPara xmlns:m="http://schemas.openxmlformats.org/officeDocument/2006/math">
+                    <m:oMathParaPr>
+                      <m:jc m:val="centerGroup"/>
+                    </m:oMathParaPr>
+                    <m:oMath xmlns:m="http://schemas.openxmlformats.org/officeDocument/2006/math">
+                      <m:d>
+                        <m:dPr>
+                          <m:begChr m:val="|"/>
+                          <m:endChr m:val=""/>
+                          <m:ctrlPr>
+                            <a:rPr lang="en-AU" sz="1800" i="1" smtClean="0">
+                              <a:latin typeface="Cambria Math" panose="02040503050406030204" pitchFamily="18" charset="0"/>
+                            </a:rPr>
+                          </m:ctrlPr>
+                        </m:dPr>
+                        <m:e>
+                          <m:d>
+                            <m:dPr>
+                              <m:begChr m:val=""/>
+                              <m:endChr m:val="⟩"/>
+                              <m:ctrlPr>
+                                <a:rPr lang="en-AU" sz="1800" i="1" smtClean="0">
+                                  <a:latin typeface="Cambria Math" panose="02040503050406030204" pitchFamily="18" charset="0"/>
+                                </a:rPr>
+                              </m:ctrlPr>
+                            </m:dPr>
+                            <m:e>
+                              <m:r>
+                                <a:rPr lang="en-US" sz="1800" b="0" i="1" smtClean="0">
+                                  <a:latin typeface="Cambria Math"/>
+                                </a:rPr>
+                                <m:t>↑⇓</m:t>
+                              </m:r>
+                            </m:e>
+                          </m:d>
+                        </m:e>
+                      </m:d>
+                    </m:oMath>
+                  </m:oMathPara>
+                </a14:m>
+                <a:endParaRPr lang="en-AU" sz="1800" dirty="0"/>
+              </a:p>
+            </p:txBody>
+          </p:sp>
+        </mc:Choice>
+        <mc:Fallback>
+          <p:sp>
+            <p:nvSpPr>
+              <p:cNvPr id="404" name="TextBox 403"/>
+              <p:cNvSpPr txBox="1">
+                <a:spLocks noRot="1" noChangeAspect="1" noMove="1" noResize="1" noEditPoints="1" noAdjustHandles="1" noChangeArrowheads="1" noChangeShapeType="1" noTextEdit="1"/>
+              </p:cNvSpPr>
+              <p:nvPr/>
+            </p:nvSpPr>
+            <p:spPr>
+              <a:xfrm>
+                <a:off x="2920063" y="278611"/>
+                <a:ext cx="579928" cy="369332"/>
+              </a:xfrm>
+              <a:prstGeom prst="rect">
+                <a:avLst/>
+              </a:prstGeom>
+              <a:blipFill>
+                <a:blip r:embed="rId11"/>
+                <a:stretch>
+                  <a:fillRect l="-57895" t="-121667" r="-87368" b="-188333"/>
+                </a:stretch>
+              </a:blipFill>
+            </p:spPr>
+            <p:txBody>
+              <a:bodyPr/>
+              <a:lstStyle/>
+              <a:p>
+                <a:r>
+                  <a:rPr lang="en-AU">
+                    <a:noFill/>
+                  </a:rPr>
+                  <a:t> </a:t>
+                </a:r>
+              </a:p>
+            </p:txBody>
+          </p:sp>
+        </mc:Fallback>
+      </mc:AlternateContent>
+      <mc:AlternateContent xmlns:mc="http://schemas.openxmlformats.org/markup-compatibility/2006">
+        <mc:Choice xmlns:a14="http://schemas.microsoft.com/office/drawing/2010/main" Requires="a14">
+          <p:sp>
+            <p:nvSpPr>
+              <p:cNvPr id="405" name="TextBox 404"/>
+              <p:cNvSpPr txBox="1"/>
+              <p:nvPr/>
+            </p:nvSpPr>
+            <p:spPr>
+              <a:xfrm>
+                <a:off x="2890352" y="1471055"/>
+                <a:ext cx="635623" cy="369332"/>
+              </a:xfrm>
+              <a:prstGeom prst="rect">
+                <a:avLst/>
+              </a:prstGeom>
+              <a:noFill/>
+            </p:spPr>
+            <p:txBody>
+              <a:bodyPr wrap="none" rtlCol="0">
+                <a:spAutoFit/>
+              </a:bodyPr>
+              <a:lstStyle/>
+              <a:p>
+                <a:pPr/>
+                <a14:m>
+                  <m:oMathPara xmlns:m="http://schemas.openxmlformats.org/officeDocument/2006/math">
+                    <m:oMathParaPr>
+                      <m:jc m:val="centerGroup"/>
+                    </m:oMathParaPr>
+                    <m:oMath xmlns:m="http://schemas.openxmlformats.org/officeDocument/2006/math">
+                      <m:d>
+                        <m:dPr>
+                          <m:begChr m:val="|"/>
+                          <m:endChr m:val=""/>
+                          <m:ctrlPr>
+                            <a:rPr lang="en-AU" sz="1800" i="1" smtClean="0">
+                              <a:latin typeface="Cambria Math" panose="02040503050406030204" pitchFamily="18" charset="0"/>
+                            </a:rPr>
+                          </m:ctrlPr>
+                        </m:dPr>
+                        <m:e>
+                          <m:d>
+                            <m:dPr>
+                              <m:begChr m:val=""/>
+                              <m:endChr m:val="⟩"/>
+                              <m:ctrlPr>
+                                <a:rPr lang="en-AU" sz="1800" i="1" smtClean="0">
+                                  <a:latin typeface="Cambria Math" panose="02040503050406030204" pitchFamily="18" charset="0"/>
+                                </a:rPr>
+                              </m:ctrlPr>
+                            </m:dPr>
+                            <m:e>
+                              <m:r>
+                                <a:rPr lang="en-US" sz="1800" b="0" i="1" smtClean="0">
+                                  <a:latin typeface="Cambria Math"/>
+                                </a:rPr>
+                                <m:t>↓⇑</m:t>
+                              </m:r>
+                            </m:e>
+                          </m:d>
+                        </m:e>
+                      </m:d>
+                    </m:oMath>
+                  </m:oMathPara>
+                </a14:m>
+                <a:endParaRPr lang="en-AU" sz="1800" dirty="0"/>
+              </a:p>
+            </p:txBody>
+          </p:sp>
+        </mc:Choice>
+        <mc:Fallback>
+          <p:sp>
+            <p:nvSpPr>
+              <p:cNvPr id="405" name="TextBox 404"/>
+              <p:cNvSpPr txBox="1">
+                <a:spLocks noRot="1" noChangeAspect="1" noMove="1" noResize="1" noEditPoints="1" noAdjustHandles="1" noChangeArrowheads="1" noChangeShapeType="1" noTextEdit="1"/>
+              </p:cNvSpPr>
+              <p:nvPr/>
+            </p:nvSpPr>
+            <p:spPr>
+              <a:xfrm>
+                <a:off x="2890352" y="1471055"/>
+                <a:ext cx="635623" cy="369332"/>
+              </a:xfrm>
+              <a:prstGeom prst="rect">
+                <a:avLst/>
+              </a:prstGeom>
+              <a:blipFill>
+                <a:blip r:embed="rId12"/>
+                <a:stretch>
+                  <a:fillRect l="-48077" t="-119672" r="-75962" b="-183607"/>
+                </a:stretch>
+              </a:blipFill>
+            </p:spPr>
+            <p:txBody>
+              <a:bodyPr/>
+              <a:lstStyle/>
+              <a:p>
+                <a:r>
+                  <a:rPr lang="en-AU">
+                    <a:noFill/>
+                  </a:rPr>
+                  <a:t> </a:t>
+                </a:r>
+              </a:p>
+            </p:txBody>
+          </p:sp>
+        </mc:Fallback>
+      </mc:AlternateContent>
+      <mc:AlternateContent xmlns:mc="http://schemas.openxmlformats.org/markup-compatibility/2006">
+        <mc:Choice xmlns:a14="http://schemas.microsoft.com/office/drawing/2010/main" Requires="a14">
+          <p:sp>
+            <p:nvSpPr>
+              <p:cNvPr id="406" name="TextBox 405"/>
+              <p:cNvSpPr txBox="1"/>
+              <p:nvPr/>
+            </p:nvSpPr>
+            <p:spPr>
+              <a:xfrm>
+                <a:off x="2579639" y="856053"/>
+                <a:ext cx="496005" cy="362728"/>
+              </a:xfrm>
+              <a:prstGeom prst="rect">
+                <a:avLst/>
+              </a:prstGeom>
+              <a:noFill/>
+            </p:spPr>
+            <p:txBody>
+              <a:bodyPr wrap="square" rtlCol="0">
+                <a:spAutoFit/>
+              </a:bodyPr>
+              <a:lstStyle/>
+              <a:p>
+                <a:pPr/>
+                <a14:m>
+                  <m:oMathPara xmlns:m="http://schemas.openxmlformats.org/officeDocument/2006/math">
+                    <m:oMathParaPr>
+                      <m:jc m:val="centerGroup"/>
+                    </m:oMathParaPr>
+                    <m:oMath xmlns:m="http://schemas.openxmlformats.org/officeDocument/2006/math">
+                      <m:sSub>
+                        <m:sSubPr>
+                          <m:ctrlPr>
+                            <a:rPr lang="en-US" sz="1600" b="0" i="1" smtClean="0">
+                              <a:latin typeface="Cambria Math" panose="02040503050406030204" pitchFamily="18" charset="0"/>
+                            </a:rPr>
+                          </m:ctrlPr>
+                        </m:sSubPr>
+                        <m:e>
+                          <m:r>
+                            <a:rPr lang="en-US" sz="1600" b="0" i="1" smtClean="0">
+                              <a:latin typeface="Cambria Math"/>
+                            </a:rPr>
+                            <m:t>𝜋</m:t>
+                          </m:r>
+                        </m:e>
+                        <m:sub>
+                          <m:sSub>
+                            <m:sSubPr>
+                              <m:ctrlPr>
+                                <a:rPr lang="en-US" sz="1600" b="0" i="1" smtClean="0">
+                                  <a:latin typeface="Cambria Math" panose="02040503050406030204" pitchFamily="18" charset="0"/>
+                                </a:rPr>
+                              </m:ctrlPr>
+                            </m:sSubPr>
+                            <m:e>
+                              <m:r>
+                                <a:rPr lang="en-US" sz="1600" b="0" i="1" smtClean="0">
+                                  <a:latin typeface="Cambria Math"/>
+                                </a:rPr>
+                                <m:t>𝜈</m:t>
+                              </m:r>
+                            </m:e>
+                            <m:sub>
+                              <m:r>
+                                <a:rPr lang="en-AU" sz="1600" b="0" i="1" smtClean="0">
+                                  <a:latin typeface="Cambria Math" panose="02040503050406030204" pitchFamily="18" charset="0"/>
+                                </a:rPr>
+                                <m:t>⇓</m:t>
+                              </m:r>
+                            </m:sub>
+                          </m:sSub>
+                        </m:sub>
+                      </m:sSub>
+                    </m:oMath>
+                  </m:oMathPara>
+                </a14:m>
+                <a:endParaRPr lang="en-AU" sz="1600" dirty="0"/>
+              </a:p>
+            </p:txBody>
+          </p:sp>
+        </mc:Choice>
+        <mc:Fallback>
+          <p:sp>
+            <p:nvSpPr>
+              <p:cNvPr id="406" name="TextBox 405"/>
+              <p:cNvSpPr txBox="1">
+                <a:spLocks noRot="1" noChangeAspect="1" noMove="1" noResize="1" noEditPoints="1" noAdjustHandles="1" noChangeArrowheads="1" noChangeShapeType="1" noTextEdit="1"/>
+              </p:cNvSpPr>
+              <p:nvPr/>
+            </p:nvSpPr>
+            <p:spPr>
+              <a:xfrm>
+                <a:off x="2579639" y="856053"/>
+                <a:ext cx="496005" cy="362728"/>
+              </a:xfrm>
+              <a:prstGeom prst="rect">
+                <a:avLst/>
+              </a:prstGeom>
+              <a:blipFill>
+                <a:blip r:embed="rId13"/>
+                <a:stretch>
+                  <a:fillRect/>
+                </a:stretch>
+              </a:blipFill>
+            </p:spPr>
+            <p:txBody>
+              <a:bodyPr/>
+              <a:lstStyle/>
+              <a:p>
+                <a:r>
+                  <a:rPr lang="en-AU">
+                    <a:noFill/>
+                  </a:rPr>
+                  <a:t> </a:t>
+                </a:r>
+              </a:p>
+            </p:txBody>
+          </p:sp>
+        </mc:Fallback>
+      </mc:AlternateContent>
+      <p:cxnSp>
+        <p:nvCxnSpPr>
+          <p:cNvPr id="407" name="Straight Connector 406"/>
+          <p:cNvCxnSpPr/>
+          <p:nvPr/>
+        </p:nvCxnSpPr>
+        <p:spPr>
+          <a:xfrm flipH="1" flipV="1">
+            <a:off x="3405389" y="864838"/>
+            <a:ext cx="4269" cy="397934"/>
+          </a:xfrm>
+          <a:prstGeom prst="line">
+            <a:avLst/>
+          </a:prstGeom>
+          <a:ln w="28575">
+            <a:solidFill>
+              <a:srgbClr val="87BF77"/>
+            </a:solidFill>
+          </a:ln>
+        </p:spPr>
+        <p:style>
+          <a:lnRef idx="1">
+            <a:schemeClr val="accent1"/>
+          </a:lnRef>
+          <a:fillRef idx="0">
+            <a:schemeClr val="accent1"/>
+          </a:fillRef>
+          <a:effectRef idx="0">
+            <a:schemeClr val="accent1"/>
+          </a:effectRef>
+          <a:fontRef idx="minor">
+            <a:schemeClr val="tx1"/>
+          </a:fontRef>
+        </p:style>
+      </p:cxnSp>
+      <p:cxnSp>
+        <p:nvCxnSpPr>
+          <p:cNvPr id="408" name="Straight Connector 407"/>
+          <p:cNvCxnSpPr/>
+          <p:nvPr/>
+        </p:nvCxnSpPr>
+        <p:spPr>
+          <a:xfrm>
+            <a:off x="3405388" y="864838"/>
+            <a:ext cx="749424" cy="6690"/>
+          </a:xfrm>
+          <a:prstGeom prst="line">
+            <a:avLst/>
+          </a:prstGeom>
+          <a:ln w="28575">
+            <a:solidFill>
+              <a:srgbClr val="87BF77"/>
+            </a:solidFill>
+          </a:ln>
+        </p:spPr>
+        <p:style>
+          <a:lnRef idx="1">
+            <a:schemeClr val="accent1"/>
+          </a:lnRef>
+          <a:fillRef idx="0">
+            <a:schemeClr val="accent1"/>
+          </a:fillRef>
+          <a:effectRef idx="0">
+            <a:schemeClr val="accent1"/>
+          </a:effectRef>
+          <a:fontRef idx="minor">
+            <a:schemeClr val="tx1"/>
+          </a:fontRef>
+        </p:style>
+      </p:cxnSp>
+      <p:cxnSp>
+        <p:nvCxnSpPr>
+          <p:cNvPr id="409" name="Straight Connector 408"/>
+          <p:cNvCxnSpPr/>
+          <p:nvPr/>
+        </p:nvCxnSpPr>
+        <p:spPr>
+          <a:xfrm flipH="1" flipV="1">
+            <a:off x="4151779" y="860174"/>
+            <a:ext cx="1" cy="417421"/>
+          </a:xfrm>
+          <a:prstGeom prst="line">
+            <a:avLst/>
+          </a:prstGeom>
+          <a:ln w="28575">
+            <a:solidFill>
+              <a:srgbClr val="87BF77"/>
+            </a:solidFill>
+          </a:ln>
+        </p:spPr>
+        <p:style>
+          <a:lnRef idx="1">
+            <a:schemeClr val="accent1"/>
+          </a:lnRef>
+          <a:fillRef idx="0">
+            <a:schemeClr val="accent1"/>
+          </a:fillRef>
+          <a:effectRef idx="0">
+            <a:schemeClr val="accent1"/>
+          </a:effectRef>
+          <a:fontRef idx="minor">
+            <a:schemeClr val="tx1"/>
+          </a:fontRef>
+        </p:style>
+      </p:cxnSp>
+      <p:cxnSp>
+        <p:nvCxnSpPr>
+          <p:cNvPr id="410" name="Straight Connector 409"/>
+          <p:cNvCxnSpPr/>
+          <p:nvPr/>
+        </p:nvCxnSpPr>
+        <p:spPr>
+          <a:xfrm>
+            <a:off x="4141199" y="1262772"/>
+            <a:ext cx="820829" cy="0"/>
+          </a:xfrm>
+          <a:prstGeom prst="line">
+            <a:avLst/>
+          </a:prstGeom>
+          <a:ln w="28575">
+            <a:solidFill>
+              <a:schemeClr val="tx1"/>
+            </a:solidFill>
+            <a:prstDash val="sysDash"/>
+          </a:ln>
+        </p:spPr>
+        <p:style>
+          <a:lnRef idx="1">
+            <a:schemeClr val="accent1"/>
+          </a:lnRef>
+          <a:fillRef idx="0">
+            <a:schemeClr val="accent1"/>
+          </a:fillRef>
+          <a:effectRef idx="0">
+            <a:schemeClr val="accent1"/>
+          </a:effectRef>
+          <a:fontRef idx="minor">
+            <a:schemeClr val="tx1"/>
+          </a:fontRef>
+        </p:style>
+      </p:cxnSp>
+      <mc:AlternateContent xmlns:mc="http://schemas.openxmlformats.org/markup-compatibility/2006">
+        <mc:Choice xmlns:a14="http://schemas.microsoft.com/office/drawing/2010/main" Requires="a14">
+          <p:sp>
+            <p:nvSpPr>
+              <p:cNvPr id="411" name="TextBox 410"/>
+              <p:cNvSpPr txBox="1"/>
+              <p:nvPr/>
+            </p:nvSpPr>
+            <p:spPr>
+              <a:xfrm>
+                <a:off x="3333205" y="897305"/>
+                <a:ext cx="852237" cy="362984"/>
+              </a:xfrm>
+              <a:prstGeom prst="rect">
+                <a:avLst/>
+              </a:prstGeom>
+              <a:noFill/>
+            </p:spPr>
+            <p:txBody>
+              <a:bodyPr wrap="square" rtlCol="0">
+                <a:spAutoFit/>
+              </a:bodyPr>
+              <a:lstStyle/>
+              <a:p>
+                <a:pPr/>
+                <a14:m>
+                  <m:oMathPara xmlns:m="http://schemas.openxmlformats.org/officeDocument/2006/math">
+                    <m:oMathParaPr>
+                      <m:jc m:val="centerGroup"/>
+                    </m:oMathParaPr>
+                    <m:oMath xmlns:m="http://schemas.openxmlformats.org/officeDocument/2006/math">
+                      <m:sSub>
+                        <m:sSubPr>
+                          <m:ctrlPr>
+                            <a:rPr lang="en-US" sz="1600" b="0" i="1" smtClean="0">
+                              <a:latin typeface="Cambria Math" panose="02040503050406030204" pitchFamily="18" charset="0"/>
+                            </a:rPr>
+                          </m:ctrlPr>
+                        </m:sSubPr>
+                        <m:e>
+                          <m:r>
+                            <a:rPr lang="en-US" sz="1600" b="0" i="1" smtClean="0">
+                              <a:latin typeface="Cambria Math"/>
+                            </a:rPr>
+                            <m:t>10</m:t>
+                          </m:r>
+                          <m:r>
+                            <m:rPr>
+                              <m:sty m:val="p"/>
+                            </m:rPr>
+                            <a:rPr lang="en-US" sz="1600" b="0" i="0" smtClean="0">
+                              <a:latin typeface="Cambria Math"/>
+                            </a:rPr>
+                            <m:t>ms</m:t>
+                          </m:r>
+                        </m:e>
+                        <m:sub>
+                          <m:r>
+                            <a:rPr lang="en-US" sz="1600" b="0" i="1" smtClean="0">
+                              <a:latin typeface="Cambria Math"/>
+                            </a:rPr>
+                            <m:t> </m:t>
+                          </m:r>
+                          <m:sSub>
+                            <m:sSubPr>
+                              <m:ctrlPr>
+                                <a:rPr lang="en-US" sz="1600" b="0" i="1" smtClean="0">
+                                  <a:latin typeface="Cambria Math" panose="02040503050406030204" pitchFamily="18" charset="0"/>
+                                </a:rPr>
+                              </m:ctrlPr>
+                            </m:sSubPr>
+                            <m:e>
+                              <m:r>
+                                <a:rPr lang="en-US" sz="1600" b="0" i="1" smtClean="0">
+                                  <a:latin typeface="Cambria Math"/>
+                                </a:rPr>
+                                <m:t>𝜈</m:t>
+                              </m:r>
+                            </m:e>
+                            <m:sub>
+                              <m:r>
+                                <m:rPr>
+                                  <m:sty m:val="p"/>
+                                </m:rPr>
+                                <a:rPr lang="en-US" sz="1600" b="0" i="0" smtClean="0">
+                                  <a:latin typeface="Cambria Math"/>
+                                </a:rPr>
+                                <m:t>ff</m:t>
+                              </m:r>
+                            </m:sub>
+                          </m:sSub>
+                        </m:sub>
+                      </m:sSub>
+                    </m:oMath>
+                  </m:oMathPara>
+                </a14:m>
+                <a:endParaRPr lang="en-AU" sz="1800" dirty="0"/>
+              </a:p>
+            </p:txBody>
+          </p:sp>
+        </mc:Choice>
+        <mc:Fallback>
+          <p:sp>
+            <p:nvSpPr>
+              <p:cNvPr id="411" name="TextBox 410"/>
+              <p:cNvSpPr txBox="1">
+                <a:spLocks noRot="1" noChangeAspect="1" noMove="1" noResize="1" noEditPoints="1" noAdjustHandles="1" noChangeArrowheads="1" noChangeShapeType="1" noTextEdit="1"/>
+              </p:cNvSpPr>
+              <p:nvPr/>
+            </p:nvSpPr>
+            <p:spPr>
+              <a:xfrm>
+                <a:off x="3333205" y="897305"/>
+                <a:ext cx="852237" cy="362984"/>
+              </a:xfrm>
+              <a:prstGeom prst="rect">
+                <a:avLst/>
+              </a:prstGeom>
+              <a:blipFill>
+                <a:blip r:embed="rId14"/>
+                <a:stretch>
+                  <a:fillRect b="-1667"/>
+                </a:stretch>
+              </a:blipFill>
+            </p:spPr>
+            <p:txBody>
+              <a:bodyPr/>
+              <a:lstStyle/>
+              <a:p>
+                <a:r>
+                  <a:rPr lang="en-AU">
+                    <a:noFill/>
+                  </a:rPr>
+                  <a:t> </a:t>
+                </a:r>
+              </a:p>
+            </p:txBody>
+          </p:sp>
+        </mc:Fallback>
+      </mc:AlternateContent>
+      <p:cxnSp>
+        <p:nvCxnSpPr>
+          <p:cNvPr id="412" name="Straight Connector 411"/>
+          <p:cNvCxnSpPr>
+            <a:stCxn id="4" idx="3"/>
+            <a:endCxn id="404" idx="1"/>
+          </p:cNvCxnSpPr>
+          <p:nvPr/>
+        </p:nvCxnSpPr>
+        <p:spPr>
+          <a:xfrm flipV="1">
+            <a:off x="2749240" y="463277"/>
+            <a:ext cx="170823" cy="548"/>
+          </a:xfrm>
+          <a:prstGeom prst="line">
+            <a:avLst/>
+          </a:prstGeom>
+          <a:ln>
+            <a:solidFill>
+              <a:schemeClr val="tx1"/>
+            </a:solidFill>
+          </a:ln>
+        </p:spPr>
+        <p:style>
+          <a:lnRef idx="1">
+            <a:schemeClr val="accent1"/>
+          </a:lnRef>
+          <a:fillRef idx="0">
+            <a:schemeClr val="accent1"/>
+          </a:fillRef>
+          <a:effectRef idx="0">
+            <a:schemeClr val="accent1"/>
+          </a:effectRef>
+          <a:fontRef idx="minor">
+            <a:schemeClr val="tx1"/>
+          </a:fontRef>
+        </p:style>
+      </p:cxnSp>
+      <mc:AlternateContent xmlns:mc="http://schemas.openxmlformats.org/markup-compatibility/2006">
+        <mc:Choice xmlns:a14="http://schemas.microsoft.com/office/drawing/2010/main" Requires="a14">
+          <p:sp>
+            <p:nvSpPr>
+              <p:cNvPr id="414" name="TextBox 413"/>
+              <p:cNvSpPr txBox="1"/>
+              <p:nvPr/>
+            </p:nvSpPr>
+            <p:spPr>
+              <a:xfrm>
+                <a:off x="3686399" y="292943"/>
+                <a:ext cx="1447319" cy="338554"/>
+              </a:xfrm>
+              <a:prstGeom prst="rect">
+                <a:avLst/>
+              </a:prstGeom>
+              <a:noFill/>
+            </p:spPr>
+            <p:txBody>
+              <a:bodyPr wrap="none" rtlCol="0">
+                <a:spAutoFit/>
+              </a:bodyPr>
+              <a:lstStyle/>
+              <a:p>
+                <a:pPr/>
+                <a14:m>
+                  <m:oMathPara xmlns:m="http://schemas.openxmlformats.org/officeDocument/2006/math">
+                    <m:oMathParaPr>
+                      <m:jc m:val="centerGroup"/>
+                    </m:oMathParaPr>
+                    <m:oMath xmlns:m="http://schemas.openxmlformats.org/officeDocument/2006/math">
+                      <m:r>
+                        <a:rPr lang="en-US" sz="1600" b="0" i="1" smtClean="0">
+                          <a:latin typeface="Cambria Math"/>
+                        </a:rPr>
+                        <m:t>𝛼</m:t>
+                      </m:r>
+                      <m:d>
+                        <m:dPr>
+                          <m:begChr m:val="|"/>
+                          <m:endChr m:val=""/>
+                          <m:ctrlPr>
+                            <a:rPr lang="en-AU" sz="1600" i="1" smtClean="0">
+                              <a:latin typeface="Cambria Math" panose="02040503050406030204" pitchFamily="18" charset="0"/>
+                            </a:rPr>
+                          </m:ctrlPr>
+                        </m:dPr>
+                        <m:e>
+                          <m:d>
+                            <m:dPr>
+                              <m:begChr m:val=""/>
+                              <m:endChr m:val="⟩"/>
+                              <m:ctrlPr>
+                                <a:rPr lang="en-AU" sz="1600" i="1" smtClean="0">
+                                  <a:latin typeface="Cambria Math" panose="02040503050406030204" pitchFamily="18" charset="0"/>
+                                </a:rPr>
+                              </m:ctrlPr>
+                            </m:dPr>
+                            <m:e>
+                              <m:r>
+                                <a:rPr lang="en-US" sz="1600" b="0" i="1" smtClean="0">
+                                  <a:latin typeface="Cambria Math"/>
+                                </a:rPr>
+                                <m:t>↑⇓</m:t>
+                              </m:r>
+                            </m:e>
+                          </m:d>
+                        </m:e>
+                      </m:d>
+                      <m:r>
+                        <a:rPr lang="en-US" sz="1600" b="0" i="1" smtClean="0">
+                          <a:latin typeface="Cambria Math"/>
+                        </a:rPr>
+                        <m:t>+</m:t>
+                      </m:r>
+                      <m:r>
+                        <a:rPr lang="en-US" sz="1600" b="0" i="1" smtClean="0">
+                          <a:latin typeface="Cambria Math"/>
+                        </a:rPr>
+                        <m:t>𝛽</m:t>
+                      </m:r>
+                      <m:d>
+                        <m:dPr>
+                          <m:begChr m:val="|"/>
+                          <m:endChr m:val=""/>
+                          <m:ctrlPr>
+                            <a:rPr lang="en-AU" sz="1600" i="1" smtClean="0">
+                              <a:latin typeface="Cambria Math" panose="02040503050406030204" pitchFamily="18" charset="0"/>
+                            </a:rPr>
+                          </m:ctrlPr>
+                        </m:dPr>
+                        <m:e>
+                          <m:d>
+                            <m:dPr>
+                              <m:begChr m:val=""/>
+                              <m:endChr m:val="⟩"/>
+                              <m:ctrlPr>
+                                <a:rPr lang="en-AU" sz="1600" i="1" smtClean="0">
+                                  <a:latin typeface="Cambria Math" panose="02040503050406030204" pitchFamily="18" charset="0"/>
+                                </a:rPr>
+                              </m:ctrlPr>
+                            </m:dPr>
+                            <m:e>
+                              <m:r>
+                                <a:rPr lang="en-US" sz="1600" b="0" i="1" smtClean="0">
+                                  <a:latin typeface="Cambria Math"/>
+                                </a:rPr>
+                                <m:t>↓⇑</m:t>
+                              </m:r>
+                            </m:e>
+                          </m:d>
+                        </m:e>
+                      </m:d>
+                    </m:oMath>
+                  </m:oMathPara>
+                </a14:m>
+                <a:endParaRPr lang="en-AU" sz="1600" dirty="0"/>
+              </a:p>
+            </p:txBody>
+          </p:sp>
+        </mc:Choice>
+        <mc:Fallback>
+          <p:sp>
+            <p:nvSpPr>
+              <p:cNvPr id="414" name="TextBox 413"/>
+              <p:cNvSpPr txBox="1">
+                <a:spLocks noRot="1" noChangeAspect="1" noMove="1" noResize="1" noEditPoints="1" noAdjustHandles="1" noChangeArrowheads="1" noChangeShapeType="1" noTextEdit="1"/>
+              </p:cNvSpPr>
+              <p:nvPr/>
+            </p:nvSpPr>
+            <p:spPr>
+              <a:xfrm>
+                <a:off x="3686399" y="292943"/>
+                <a:ext cx="1447319" cy="338554"/>
+              </a:xfrm>
+              <a:prstGeom prst="rect">
+                <a:avLst/>
+              </a:prstGeom>
+              <a:blipFill>
+                <a:blip r:embed="rId15"/>
+                <a:stretch>
+                  <a:fillRect l="-8439" t="-108929" r="-25316" b="-167857"/>
+                </a:stretch>
+              </a:blipFill>
+            </p:spPr>
+            <p:txBody>
+              <a:bodyPr/>
+              <a:lstStyle/>
+              <a:p>
+                <a:r>
+                  <a:rPr lang="en-AU">
+                    <a:noFill/>
+                  </a:rPr>
+                  <a:t> </a:t>
+                </a:r>
+              </a:p>
+            </p:txBody>
+          </p:sp>
+        </mc:Fallback>
+      </mc:AlternateContent>
+      <mc:AlternateContent xmlns:mc="http://schemas.openxmlformats.org/markup-compatibility/2006">
+        <mc:Choice xmlns:a14="http://schemas.microsoft.com/office/drawing/2010/main" Requires="a14">
+          <p:sp>
+            <p:nvSpPr>
+              <p:cNvPr id="415" name="TextBox 414"/>
+              <p:cNvSpPr txBox="1"/>
+              <p:nvPr/>
+            </p:nvSpPr>
+            <p:spPr>
+              <a:xfrm>
+                <a:off x="3710683" y="1486999"/>
+                <a:ext cx="1421795" cy="338554"/>
+              </a:xfrm>
+              <a:prstGeom prst="rect">
+                <a:avLst/>
+              </a:prstGeom>
+              <a:noFill/>
+            </p:spPr>
+            <p:txBody>
+              <a:bodyPr wrap="square" rtlCol="0">
+                <a:spAutoFit/>
+              </a:bodyPr>
+              <a:lstStyle/>
+              <a:p>
+                <a:pPr/>
+                <a14:m>
+                  <m:oMathPara xmlns:m="http://schemas.openxmlformats.org/officeDocument/2006/math">
+                    <m:oMathParaPr>
+                      <m:jc m:val="centerGroup"/>
+                    </m:oMathParaPr>
+                    <m:oMath xmlns:m="http://schemas.openxmlformats.org/officeDocument/2006/math">
+                      <m:r>
+                        <a:rPr lang="en-US" sz="1600" b="0" i="1" smtClean="0">
+                          <a:latin typeface="Cambria Math"/>
+                        </a:rPr>
+                        <m:t>𝛽</m:t>
+                      </m:r>
+                      <m:d>
+                        <m:dPr>
+                          <m:begChr m:val="|"/>
+                          <m:endChr m:val=""/>
+                          <m:ctrlPr>
+                            <a:rPr lang="en-AU" sz="1600" i="1" smtClean="0">
+                              <a:latin typeface="Cambria Math" panose="02040503050406030204" pitchFamily="18" charset="0"/>
+                            </a:rPr>
+                          </m:ctrlPr>
+                        </m:dPr>
+                        <m:e>
+                          <m:d>
+                            <m:dPr>
+                              <m:begChr m:val=""/>
+                              <m:endChr m:val="⟩"/>
+                              <m:ctrlPr>
+                                <a:rPr lang="en-AU" sz="1600" i="1" smtClean="0">
+                                  <a:latin typeface="Cambria Math" panose="02040503050406030204" pitchFamily="18" charset="0"/>
+                                </a:rPr>
+                              </m:ctrlPr>
+                            </m:dPr>
+                            <m:e>
+                              <m:r>
+                                <a:rPr lang="en-US" sz="1600" b="0" i="1" smtClean="0">
+                                  <a:latin typeface="Cambria Math"/>
+                                </a:rPr>
+                                <m:t>↑⇓</m:t>
+                              </m:r>
+                            </m:e>
+                          </m:d>
+                        </m:e>
+                      </m:d>
+                      <m:r>
+                        <a:rPr lang="en-US" sz="1600" b="0" i="1" smtClean="0">
+                          <a:latin typeface="Cambria Math"/>
+                        </a:rPr>
+                        <m:t>+</m:t>
+                      </m:r>
+                      <m:r>
+                        <a:rPr lang="en-US" sz="1600" b="0" i="1" smtClean="0">
+                          <a:latin typeface="Cambria Math"/>
+                        </a:rPr>
+                        <m:t>𝛼</m:t>
+                      </m:r>
+                      <m:d>
+                        <m:dPr>
+                          <m:begChr m:val="|"/>
+                          <m:endChr m:val=""/>
+                          <m:ctrlPr>
+                            <a:rPr lang="en-AU" sz="1600" i="1" smtClean="0">
+                              <a:latin typeface="Cambria Math" panose="02040503050406030204" pitchFamily="18" charset="0"/>
+                            </a:rPr>
+                          </m:ctrlPr>
+                        </m:dPr>
+                        <m:e>
+                          <m:d>
+                            <m:dPr>
+                              <m:begChr m:val=""/>
+                              <m:endChr m:val="⟩"/>
+                              <m:ctrlPr>
+                                <a:rPr lang="en-AU" sz="1600" i="1" smtClean="0">
+                                  <a:latin typeface="Cambria Math" panose="02040503050406030204" pitchFamily="18" charset="0"/>
+                                </a:rPr>
+                              </m:ctrlPr>
+                            </m:dPr>
+                            <m:e>
+                              <m:r>
+                                <a:rPr lang="en-US" sz="1600" b="0" i="1" smtClean="0">
+                                  <a:latin typeface="Cambria Math"/>
+                                </a:rPr>
+                                <m:t>↓⇑</m:t>
+                              </m:r>
+                            </m:e>
+                          </m:d>
+                        </m:e>
+                      </m:d>
+                    </m:oMath>
+                  </m:oMathPara>
+                </a14:m>
+                <a:endParaRPr lang="en-AU" sz="1600" dirty="0"/>
+              </a:p>
+            </p:txBody>
+          </p:sp>
+        </mc:Choice>
+        <mc:Fallback>
+          <p:sp>
+            <p:nvSpPr>
+              <p:cNvPr id="415" name="TextBox 414"/>
+              <p:cNvSpPr txBox="1">
+                <a:spLocks noRot="1" noChangeAspect="1" noMove="1" noResize="1" noEditPoints="1" noAdjustHandles="1" noChangeArrowheads="1" noChangeShapeType="1" noTextEdit="1"/>
+              </p:cNvSpPr>
+              <p:nvPr/>
+            </p:nvSpPr>
+            <p:spPr>
+              <a:xfrm>
+                <a:off x="3710683" y="1486999"/>
+                <a:ext cx="1421795" cy="338554"/>
+              </a:xfrm>
+              <a:prstGeom prst="rect">
+                <a:avLst/>
+              </a:prstGeom>
+              <a:blipFill>
+                <a:blip r:embed="rId16"/>
+                <a:stretch>
+                  <a:fillRect l="-9442" t="-110909" r="-26609" b="-172727"/>
+                </a:stretch>
+              </a:blipFill>
+            </p:spPr>
+            <p:txBody>
+              <a:bodyPr/>
+              <a:lstStyle/>
+              <a:p>
+                <a:r>
+                  <a:rPr lang="en-AU">
+                    <a:noFill/>
+                  </a:rPr>
+                  <a:t> </a:t>
+                </a:r>
+              </a:p>
+            </p:txBody>
+          </p:sp>
+        </mc:Fallback>
+      </mc:AlternateContent>
+      <p:cxnSp>
+        <p:nvCxnSpPr>
+          <p:cNvPr id="416" name="Straight Connector 415"/>
+          <p:cNvCxnSpPr>
+            <a:stCxn id="404" idx="3"/>
+            <a:endCxn id="414" idx="1"/>
+          </p:cNvCxnSpPr>
+          <p:nvPr/>
+        </p:nvCxnSpPr>
+        <p:spPr>
+          <a:xfrm flipV="1">
+            <a:off x="3499991" y="462220"/>
+            <a:ext cx="186408" cy="1057"/>
+          </a:xfrm>
+          <a:prstGeom prst="line">
+            <a:avLst/>
+          </a:prstGeom>
+          <a:ln>
+            <a:solidFill>
+              <a:schemeClr val="tx1"/>
+            </a:solidFill>
+          </a:ln>
+        </p:spPr>
+        <p:style>
+          <a:lnRef idx="1">
+            <a:schemeClr val="accent1"/>
+          </a:lnRef>
+          <a:fillRef idx="0">
+            <a:schemeClr val="accent1"/>
+          </a:fillRef>
+          <a:effectRef idx="0">
+            <a:schemeClr val="accent1"/>
+          </a:effectRef>
+          <a:fontRef idx="minor">
+            <a:schemeClr val="tx1"/>
+          </a:fontRef>
+        </p:style>
+      </p:cxnSp>
+      <p:cxnSp>
+        <p:nvCxnSpPr>
+          <p:cNvPr id="417" name="Straight Connector 416"/>
+          <p:cNvCxnSpPr>
+            <a:stCxn id="405" idx="3"/>
+            <a:endCxn id="415" idx="1"/>
+          </p:cNvCxnSpPr>
+          <p:nvPr/>
+        </p:nvCxnSpPr>
+        <p:spPr>
+          <a:xfrm>
+            <a:off x="3525975" y="1655721"/>
+            <a:ext cx="184708" cy="555"/>
+          </a:xfrm>
+          <a:prstGeom prst="line">
+            <a:avLst/>
+          </a:prstGeom>
+          <a:ln>
+            <a:solidFill>
+              <a:schemeClr val="tx1"/>
+            </a:solidFill>
+          </a:ln>
+        </p:spPr>
+        <p:style>
+          <a:lnRef idx="1">
+            <a:schemeClr val="accent1"/>
+          </a:lnRef>
+          <a:fillRef idx="0">
+            <a:schemeClr val="accent1"/>
+          </a:fillRef>
+          <a:effectRef idx="0">
+            <a:schemeClr val="accent1"/>
+          </a:effectRef>
+          <a:fontRef idx="minor">
+            <a:schemeClr val="tx1"/>
+          </a:fontRef>
+        </p:style>
+      </p:cxnSp>
+      <mc:AlternateContent xmlns:mc="http://schemas.openxmlformats.org/markup-compatibility/2006">
+        <mc:Choice xmlns:a14="http://schemas.microsoft.com/office/drawing/2010/main" Requires="a14">
+          <p:sp>
+            <p:nvSpPr>
+              <p:cNvPr id="4" name="Rectangle 3"/>
+              <p:cNvSpPr/>
+              <p:nvPr/>
+            </p:nvSpPr>
+            <p:spPr>
+              <a:xfrm>
+                <a:off x="2143406" y="279159"/>
+                <a:ext cx="605834" cy="369332"/>
+              </a:xfrm>
+              <a:prstGeom prst="rect">
+                <a:avLst/>
+              </a:prstGeom>
+            </p:spPr>
+            <p:txBody>
+              <a:bodyPr wrap="square">
+                <a:spAutoFit/>
+              </a:bodyPr>
+              <a:lstStyle/>
+              <a:p>
+                <a14:m>
+                  <m:oMathPara xmlns:m="http://schemas.openxmlformats.org/officeDocument/2006/math">
+                    <m:oMathParaPr>
+                      <m:jc m:val="centerGroup"/>
+                    </m:oMathParaPr>
+                    <m:oMath xmlns:m="http://schemas.openxmlformats.org/officeDocument/2006/math">
+                      <m:d>
+                        <m:dPr>
+                          <m:begChr m:val="|"/>
+                          <m:endChr m:val=""/>
+                          <m:ctrlPr>
+                            <a:rPr lang="en-AU" sz="1800" i="1">
+                              <a:latin typeface="Cambria Math" panose="02040503050406030204" pitchFamily="18" charset="0"/>
+                            </a:rPr>
+                          </m:ctrlPr>
+                        </m:dPr>
+                        <m:e>
+                          <m:d>
+                            <m:dPr>
+                              <m:begChr m:val=""/>
+                              <m:endChr m:val="⟩"/>
+                              <m:ctrlPr>
+                                <a:rPr lang="en-AU" sz="1800" i="1">
+                                  <a:latin typeface="Cambria Math" panose="02040503050406030204" pitchFamily="18" charset="0"/>
+                                </a:rPr>
+                              </m:ctrlPr>
+                            </m:dPr>
+                            <m:e>
+                              <m:r>
+                                <a:rPr lang="en-US" sz="1800" i="1">
+                                  <a:latin typeface="Cambria Math"/>
+                                </a:rPr>
+                                <m:t>↓⇓</m:t>
+                              </m:r>
+                            </m:e>
+                          </m:d>
+                        </m:e>
+                      </m:d>
+                    </m:oMath>
+                  </m:oMathPara>
+                </a14:m>
+                <a:endParaRPr lang="en-AU" sz="1600" dirty="0"/>
+              </a:p>
+            </p:txBody>
+          </p:sp>
+        </mc:Choice>
+        <mc:Fallback>
+          <p:sp>
+            <p:nvSpPr>
+              <p:cNvPr id="4" name="Rectangle 3"/>
+              <p:cNvSpPr>
+                <a:spLocks noRot="1" noChangeAspect="1" noMove="1" noResize="1" noEditPoints="1" noAdjustHandles="1" noChangeArrowheads="1" noChangeShapeType="1" noTextEdit="1"/>
+              </p:cNvSpPr>
+              <p:nvPr/>
+            </p:nvSpPr>
+            <p:spPr>
+              <a:xfrm>
+                <a:off x="2143406" y="279159"/>
+                <a:ext cx="605834" cy="369332"/>
+              </a:xfrm>
+              <a:prstGeom prst="rect">
+                <a:avLst/>
+              </a:prstGeom>
+              <a:blipFill>
+                <a:blip r:embed="rId17"/>
+                <a:stretch>
+                  <a:fillRect l="-54545" t="-121667" r="-80808" b="-188333"/>
+                </a:stretch>
+              </a:blipFill>
+            </p:spPr>
+            <p:txBody>
+              <a:bodyPr/>
+              <a:lstStyle/>
+              <a:p>
+                <a:r>
+                  <a:rPr lang="en-AU">
+                    <a:noFill/>
+                  </a:rPr>
+                  <a:t> </a:t>
+                </a:r>
+              </a:p>
+            </p:txBody>
+          </p:sp>
+        </mc:Fallback>
+      </mc:AlternateContent>
+      <p:cxnSp>
+        <p:nvCxnSpPr>
+          <p:cNvPr id="429" name="Straight Connector 428"/>
+          <p:cNvCxnSpPr>
+            <a:stCxn id="398" idx="3"/>
+            <a:endCxn id="405" idx="1"/>
+          </p:cNvCxnSpPr>
+          <p:nvPr/>
+        </p:nvCxnSpPr>
+        <p:spPr>
+          <a:xfrm flipV="1">
+            <a:off x="2749240" y="1655721"/>
+            <a:ext cx="141112" cy="684"/>
+          </a:xfrm>
+          <a:prstGeom prst="line">
+            <a:avLst/>
+          </a:prstGeom>
+          <a:ln>
+            <a:solidFill>
+              <a:schemeClr val="tx1"/>
+            </a:solidFill>
+          </a:ln>
+        </p:spPr>
+        <p:style>
+          <a:lnRef idx="1">
+            <a:schemeClr val="accent1"/>
+          </a:lnRef>
+          <a:fillRef idx="0">
+            <a:schemeClr val="accent1"/>
+          </a:fillRef>
+          <a:effectRef idx="0">
+            <a:schemeClr val="accent1"/>
+          </a:effectRef>
+          <a:fontRef idx="minor">
+            <a:schemeClr val="tx1"/>
+          </a:fontRef>
+        </p:style>
+      </p:cxnSp>
     </p:spTree>
     <p:extLst>
       <p:ext uri="{BB962C8B-B14F-4D97-AF65-F5344CB8AC3E}">
@@ -27251,44 +29770,6 @@
           <a:chExt cx="0" cy="0"/>
         </a:xfrm>
       </p:grpSpPr>
-      <p:sp>
-        <p:nvSpPr>
-          <p:cNvPr id="2" name="Title 1"/>
-          <p:cNvSpPr>
-            <a:spLocks noGrp="1"/>
-          </p:cNvSpPr>
-          <p:nvPr>
-            <p:ph type="title"/>
-          </p:nvPr>
-        </p:nvSpPr>
-        <p:spPr/>
-        <p:txBody>
-          <a:bodyPr/>
-          <a:lstStyle/>
-          <a:p>
-            <a:endParaRPr lang="en-AU"/>
-          </a:p>
-        </p:txBody>
-      </p:sp>
-      <p:sp>
-        <p:nvSpPr>
-          <p:cNvPr id="3" name="Content Placeholder 2"/>
-          <p:cNvSpPr>
-            <a:spLocks noGrp="1"/>
-          </p:cNvSpPr>
-          <p:nvPr>
-            <p:ph idx="1"/>
-          </p:nvPr>
-        </p:nvSpPr>
-        <p:spPr/>
-        <p:txBody>
-          <a:bodyPr/>
-          <a:lstStyle/>
-          <a:p>
-            <a:endParaRPr lang="en-AU" dirty="0"/>
-          </a:p>
-        </p:txBody>
-      </p:sp>
       <p:grpSp>
         <p:nvGrpSpPr>
           <p:cNvPr id="4" name="Group 372"/>
@@ -27299,7 +29780,7 @@
         </p:nvGrpSpPr>
         <p:grpSpPr bwMode="auto">
           <a:xfrm>
-            <a:off x="-62049" y="-125466"/>
+            <a:off x="-62049" y="774648"/>
             <a:ext cx="4959351" cy="3743325"/>
             <a:chOff x="-127" y="829"/>
             <a:chExt cx="3124" cy="2358"/>
@@ -32516,14 +34997,14 @@
             <a:p>
               <a:pPr defTabSz="914400"/>
               <a:r>
-                <a:rPr lang="en-US" altLang="en-US" sz="1800">
+                <a:rPr lang="en-US" altLang="en-US" sz="1800" dirty="0">
                   <a:solidFill>
                     <a:srgbClr val="262626"/>
                   </a:solidFill>
                 </a:rPr>
                 <a:t>p</a:t>
               </a:r>
-              <a:endParaRPr lang="en-US" altLang="en-US" sz="1800"/>
+              <a:endParaRPr lang="en-US" altLang="en-US" sz="1800" dirty="0"/>
             </a:p>
           </p:txBody>
         </p:sp>
